--- a/SimpleStudies/Project SimpleStudies.pptx
+++ b/SimpleStudies/Project SimpleStudies.pptx
@@ -10,25 +10,20 @@
     <p:sldId id="258" r:id="rId4"/>
     <p:sldId id="259" r:id="rId5"/>
     <p:sldId id="260" r:id="rId6"/>
-    <p:sldId id="261" r:id="rId7"/>
-    <p:sldId id="280" r:id="rId8"/>
-    <p:sldId id="281" r:id="rId9"/>
+    <p:sldId id="266" r:id="rId7"/>
+    <p:sldId id="261" r:id="rId8"/>
+    <p:sldId id="280" r:id="rId9"/>
     <p:sldId id="263" r:id="rId10"/>
-    <p:sldId id="264" r:id="rId11"/>
-    <p:sldId id="265" r:id="rId12"/>
-    <p:sldId id="266" r:id="rId13"/>
-    <p:sldId id="267" r:id="rId14"/>
-    <p:sldId id="268" r:id="rId15"/>
-    <p:sldId id="269" r:id="rId16"/>
-    <p:sldId id="270" r:id="rId17"/>
-    <p:sldId id="271" r:id="rId18"/>
-    <p:sldId id="272" r:id="rId19"/>
-    <p:sldId id="273" r:id="rId20"/>
-    <p:sldId id="274" r:id="rId21"/>
-    <p:sldId id="275" r:id="rId22"/>
-    <p:sldId id="276" r:id="rId23"/>
-    <p:sldId id="277" r:id="rId24"/>
-    <p:sldId id="278" r:id="rId25"/>
+    <p:sldId id="268" r:id="rId11"/>
+    <p:sldId id="269" r:id="rId12"/>
+    <p:sldId id="270" r:id="rId13"/>
+    <p:sldId id="271" r:id="rId14"/>
+    <p:sldId id="272" r:id="rId15"/>
+    <p:sldId id="281" r:id="rId16"/>
+    <p:sldId id="282" r:id="rId17"/>
+    <p:sldId id="283" r:id="rId18"/>
+    <p:sldId id="284" r:id="rId19"/>
+    <p:sldId id="264" r:id="rId20"/>
   </p:sldIdLst>
   <p:sldSz cx="12192000" cy="6858000"/>
   <p:notesSz cx="6858000" cy="9144000"/>
@@ -303,7 +298,7 @@
           <a:p>
             <a:fld id="{B4F40E2A-A4D2-45AB-ACF8-081E8F7B2729}" type="datetimeFigureOut">
               <a:rPr lang="de-DE" smtClean="0"/>
-              <a:t>09.06.2022</a:t>
+              <a:t>14.06.2022</a:t>
             </a:fld>
             <a:endParaRPr lang="de-DE"/>
           </a:p>
@@ -531,7 +526,7 @@
           <a:p>
             <a:fld id="{B4F40E2A-A4D2-45AB-ACF8-081E8F7B2729}" type="datetimeFigureOut">
               <a:rPr lang="de-DE" smtClean="0"/>
-              <a:t>09.06.2022</a:t>
+              <a:t>14.06.2022</a:t>
             </a:fld>
             <a:endParaRPr lang="de-DE"/>
           </a:p>
@@ -711,7 +706,7 @@
           <a:p>
             <a:fld id="{B4F40E2A-A4D2-45AB-ACF8-081E8F7B2729}" type="datetimeFigureOut">
               <a:rPr lang="de-DE" smtClean="0"/>
-              <a:t>09.06.2022</a:t>
+              <a:t>14.06.2022</a:t>
             </a:fld>
             <a:endParaRPr lang="de-DE"/>
           </a:p>
@@ -881,7 +876,7 @@
           <a:p>
             <a:fld id="{B4F40E2A-A4D2-45AB-ACF8-081E8F7B2729}" type="datetimeFigureOut">
               <a:rPr lang="de-DE" smtClean="0"/>
-              <a:t>09.06.2022</a:t>
+              <a:t>14.06.2022</a:t>
             </a:fld>
             <a:endParaRPr lang="de-DE"/>
           </a:p>
@@ -1135,7 +1130,7 @@
           <a:p>
             <a:fld id="{B4F40E2A-A4D2-45AB-ACF8-081E8F7B2729}" type="datetimeFigureOut">
               <a:rPr lang="de-DE" smtClean="0"/>
-              <a:t>09.06.2022</a:t>
+              <a:t>14.06.2022</a:t>
             </a:fld>
             <a:endParaRPr lang="de-DE"/>
           </a:p>
@@ -1461,7 +1456,7 @@
           <a:p>
             <a:fld id="{B4F40E2A-A4D2-45AB-ACF8-081E8F7B2729}" type="datetimeFigureOut">
               <a:rPr lang="de-DE" smtClean="0"/>
-              <a:t>09.06.2022</a:t>
+              <a:t>14.06.2022</a:t>
             </a:fld>
             <a:endParaRPr lang="de-DE"/>
           </a:p>
@@ -1912,7 +1907,7 @@
           <a:p>
             <a:fld id="{B4F40E2A-A4D2-45AB-ACF8-081E8F7B2729}" type="datetimeFigureOut">
               <a:rPr lang="de-DE" smtClean="0"/>
-              <a:t>09.06.2022</a:t>
+              <a:t>14.06.2022</a:t>
             </a:fld>
             <a:endParaRPr lang="de-DE"/>
           </a:p>
@@ -2030,7 +2025,7 @@
           <a:p>
             <a:fld id="{B4F40E2A-A4D2-45AB-ACF8-081E8F7B2729}" type="datetimeFigureOut">
               <a:rPr lang="de-DE" smtClean="0"/>
-              <a:t>09.06.2022</a:t>
+              <a:t>14.06.2022</a:t>
             </a:fld>
             <a:endParaRPr lang="de-DE"/>
           </a:p>
@@ -2125,7 +2120,7 @@
           <a:p>
             <a:fld id="{B4F40E2A-A4D2-45AB-ACF8-081E8F7B2729}" type="datetimeFigureOut">
               <a:rPr lang="de-DE" smtClean="0"/>
-              <a:t>09.06.2022</a:t>
+              <a:t>14.06.2022</a:t>
             </a:fld>
             <a:endParaRPr lang="de-DE"/>
           </a:p>
@@ -2412,7 +2407,7 @@
           <a:p>
             <a:fld id="{B4F40E2A-A4D2-45AB-ACF8-081E8F7B2729}" type="datetimeFigureOut">
               <a:rPr lang="de-DE" smtClean="0"/>
-              <a:t>09.06.2022</a:t>
+              <a:t>14.06.2022</a:t>
             </a:fld>
             <a:endParaRPr lang="de-DE"/>
           </a:p>
@@ -2734,7 +2729,7 @@
           <a:p>
             <a:fld id="{B4F40E2A-A4D2-45AB-ACF8-081E8F7B2729}" type="datetimeFigureOut">
               <a:rPr lang="de-DE" smtClean="0"/>
-              <a:t>09.06.2022</a:t>
+              <a:t>14.06.2022</a:t>
             </a:fld>
             <a:endParaRPr lang="de-DE"/>
           </a:p>
@@ -2988,7 +2983,7 @@
           <a:p>
             <a:fld id="{B4F40E2A-A4D2-45AB-ACF8-081E8F7B2729}" type="datetimeFigureOut">
               <a:rPr lang="de-DE" smtClean="0"/>
-              <a:t>09.06.2022</a:t>
+              <a:t>14.06.2022</a:t>
             </a:fld>
             <a:endParaRPr lang="de-DE"/>
           </a:p>
@@ -3594,15 +3589,11 @@
           <a:bodyPr/>
           <a:lstStyle/>
           <a:p>
+            <a:pPr algn="ctr"/>
             <a:r>
               <a:rPr lang="de-DE" dirty="0"/>
-              <a:t>Project </a:t>
-            </a:r>
-            <a:r>
-              <a:rPr lang="de-DE" dirty="0" err="1"/>
-              <a:t>SimpleStudies</a:t>
-            </a:r>
-            <a:endParaRPr lang="de-DE" dirty="0"/>
+              <a:t>Weitere Tools</a:t>
+            </a:r>
           </a:p>
         </p:txBody>
       </p:sp>
@@ -3624,18 +3615,152 @@
         </p:nvSpPr>
         <p:spPr>
           <a:xfrm>
-            <a:off x="1261872" y="1969840"/>
+            <a:off x="1261872" y="1912690"/>
             <a:ext cx="9418320" cy="4579550"/>
           </a:xfrm>
         </p:spPr>
         <p:txBody>
-          <a:bodyPr/>
-          <a:lstStyle/>
-          <a:p>
-            <a:pPr algn="ctr"/>
-            <a:r>
-              <a:rPr lang="de-DE" dirty="0"/>
-              <a:t>Hier werden Sie geholfen!</a:t>
+          <a:bodyPr>
+            <a:normAutofit/>
+          </a:bodyPr>
+          <a:lstStyle/>
+          <a:p>
+            <a:pPr marL="285750" lvl="0" indent="-285750" algn="just">
+              <a:buFont typeface="Arial" panose="020B0604020202020204" pitchFamily="34" charset="0"/>
+              <a:buChar char="•"/>
+            </a:pPr>
+            <a:r>
+              <a:rPr lang="de-DE" sz="2400" dirty="0">
+                <a:effectLst/>
+                <a:latin typeface="Calibri" panose="020F0502020204030204" pitchFamily="34" charset="0"/>
+                <a:ea typeface="Calibri" panose="020F0502020204030204" pitchFamily="34" charset="0"/>
+                <a:cs typeface="Calibri" panose="020F0502020204030204" pitchFamily="34" charset="0"/>
+              </a:rPr>
+              <a:t>Visual Studio </a:t>
+            </a:r>
+          </a:p>
+          <a:p>
+            <a:pPr marL="742950" lvl="1" indent="-285750" algn="just">
+              <a:buFont typeface="Arial" panose="020B0604020202020204" pitchFamily="34" charset="0"/>
+              <a:buChar char="•"/>
+            </a:pPr>
+            <a:r>
+              <a:rPr lang="de-DE" sz="2400" dirty="0">
+                <a:effectLst/>
+                <a:latin typeface="Calibri" panose="020F0502020204030204" pitchFamily="34" charset="0"/>
+                <a:ea typeface="Calibri" panose="020F0502020204030204" pitchFamily="34" charset="0"/>
+                <a:cs typeface="Calibri" panose="020F0502020204030204" pitchFamily="34" charset="0"/>
+              </a:rPr>
+              <a:t>Code-Entwicklung</a:t>
+            </a:r>
+          </a:p>
+          <a:p>
+            <a:pPr marL="742950" lvl="1" indent="-285750" algn="just">
+              <a:buFont typeface="Arial" panose="020B0604020202020204" pitchFamily="34" charset="0"/>
+              <a:buChar char="•"/>
+            </a:pPr>
+            <a:r>
+              <a:rPr lang="de-DE" sz="2400" dirty="0">
+                <a:latin typeface="Calibri" panose="020F0502020204030204" pitchFamily="34" charset="0"/>
+                <a:ea typeface="Calibri" panose="020F0502020204030204" pitchFamily="34" charset="0"/>
+                <a:cs typeface="Calibri" panose="020F0502020204030204" pitchFamily="34" charset="0"/>
+              </a:rPr>
+              <a:t>Eingebaute Hilfestellungen</a:t>
+            </a:r>
+            <a:endParaRPr lang="de-DE" sz="2400" dirty="0">
+              <a:effectLst/>
+              <a:latin typeface="Calibri" panose="020F0502020204030204" pitchFamily="34" charset="0"/>
+              <a:ea typeface="Calibri" panose="020F0502020204030204" pitchFamily="34" charset="0"/>
+              <a:cs typeface="Calibri" panose="020F0502020204030204" pitchFamily="34" charset="0"/>
+            </a:endParaRPr>
+          </a:p>
+          <a:p>
+            <a:pPr marL="285750" lvl="0" indent="-285750" algn="just">
+              <a:buFont typeface="Arial" panose="020B0604020202020204" pitchFamily="34" charset="0"/>
+              <a:buChar char="•"/>
+            </a:pPr>
+            <a:r>
+              <a:rPr lang="de-DE" sz="2400" dirty="0">
+                <a:effectLst/>
+                <a:latin typeface="Calibri" panose="020F0502020204030204" pitchFamily="34" charset="0"/>
+                <a:ea typeface="Calibri" panose="020F0502020204030204" pitchFamily="34" charset="0"/>
+                <a:cs typeface="Calibri" panose="020F0502020204030204" pitchFamily="34" charset="0"/>
+              </a:rPr>
+              <a:t>GitHub</a:t>
+            </a:r>
+          </a:p>
+          <a:p>
+            <a:pPr marL="742950" lvl="1" indent="-285750" algn="just">
+              <a:buFont typeface="Arial" panose="020B0604020202020204" pitchFamily="34" charset="0"/>
+              <a:buChar char="•"/>
+            </a:pPr>
+            <a:r>
+              <a:rPr lang="de-DE" sz="2400" dirty="0">
+                <a:effectLst/>
+                <a:latin typeface="Calibri" panose="020F0502020204030204" pitchFamily="34" charset="0"/>
+                <a:ea typeface="Calibri" panose="020F0502020204030204" pitchFamily="34" charset="0"/>
+                <a:cs typeface="Calibri" panose="020F0502020204030204" pitchFamily="34" charset="0"/>
+              </a:rPr>
+              <a:t>Codezusammenführung</a:t>
+            </a:r>
+          </a:p>
+          <a:p>
+            <a:pPr marL="742950" lvl="1" indent="-285750" algn="just">
+              <a:buFont typeface="Arial" panose="020B0604020202020204" pitchFamily="34" charset="0"/>
+              <a:buChar char="•"/>
+            </a:pPr>
+            <a:r>
+              <a:rPr lang="de-DE" sz="2400" dirty="0">
+                <a:latin typeface="Calibri" panose="020F0502020204030204" pitchFamily="34" charset="0"/>
+                <a:ea typeface="Calibri" panose="020F0502020204030204" pitchFamily="34" charset="0"/>
+                <a:cs typeface="Calibri" panose="020F0502020204030204" pitchFamily="34" charset="0"/>
+              </a:rPr>
+              <a:t>Gemeinsames Arbeiten am Projekt</a:t>
+            </a:r>
+            <a:endParaRPr lang="de-DE" sz="2400" dirty="0">
+              <a:effectLst/>
+              <a:latin typeface="Calibri" panose="020F0502020204030204" pitchFamily="34" charset="0"/>
+              <a:ea typeface="Calibri" panose="020F0502020204030204" pitchFamily="34" charset="0"/>
+              <a:cs typeface="Calibri" panose="020F0502020204030204" pitchFamily="34" charset="0"/>
+            </a:endParaRPr>
+          </a:p>
+          <a:p>
+            <a:pPr marL="285750" lvl="0" indent="-285750" algn="just">
+              <a:buFont typeface="Arial" panose="020B0604020202020204" pitchFamily="34" charset="0"/>
+              <a:buChar char="•"/>
+            </a:pPr>
+            <a:r>
+              <a:rPr lang="de-DE" sz="2400" dirty="0" err="1">
+                <a:effectLst/>
+                <a:latin typeface="Calibri" panose="020F0502020204030204" pitchFamily="34" charset="0"/>
+                <a:ea typeface="Calibri" panose="020F0502020204030204" pitchFamily="34" charset="0"/>
+                <a:cs typeface="Calibri" panose="020F0502020204030204" pitchFamily="34" charset="0"/>
+              </a:rPr>
+              <a:t>Discord</a:t>
+            </a:r>
+            <a:r>
+              <a:rPr lang="de-DE" sz="2400" dirty="0">
+                <a:effectLst/>
+                <a:latin typeface="Calibri" panose="020F0502020204030204" pitchFamily="34" charset="0"/>
+                <a:ea typeface="Calibri" panose="020F0502020204030204" pitchFamily="34" charset="0"/>
+                <a:cs typeface="Calibri" panose="020F0502020204030204" pitchFamily="34" charset="0"/>
+              </a:rPr>
+              <a:t> </a:t>
+            </a:r>
+          </a:p>
+          <a:p>
+            <a:pPr marL="742950" lvl="1" indent="-285750" algn="just">
+              <a:buFont typeface="Arial" panose="020B0604020202020204" pitchFamily="34" charset="0"/>
+              <a:buChar char="•"/>
+            </a:pPr>
+            <a:r>
+              <a:rPr lang="de-DE" sz="2400" dirty="0">
+                <a:effectLst/>
+                <a:latin typeface="Calibri" panose="020F0502020204030204" pitchFamily="34" charset="0"/>
+                <a:ea typeface="Calibri" panose="020F0502020204030204" pitchFamily="34" charset="0"/>
+                <a:cs typeface="Calibri" panose="020F0502020204030204" pitchFamily="34" charset="0"/>
+              </a:rPr>
+              <a:t>Kommunikation</a:t>
             </a:r>
           </a:p>
         </p:txBody>
@@ -3643,7 +3768,7 @@
     </p:spTree>
     <p:extLst>
       <p:ext uri="{BB962C8B-B14F-4D97-AF65-F5344CB8AC3E}">
-        <p14:creationId xmlns:p14="http://schemas.microsoft.com/office/powerpoint/2010/main" val="3136807347"/>
+        <p14:creationId xmlns:p14="http://schemas.microsoft.com/office/powerpoint/2010/main" val="2950510228"/>
       </p:ext>
     </p:extLst>
   </p:cSld>
@@ -3696,15 +3821,11 @@
           <a:bodyPr/>
           <a:lstStyle/>
           <a:p>
+            <a:pPr algn="ctr"/>
             <a:r>
               <a:rPr lang="de-DE" dirty="0"/>
-              <a:t>Project </a:t>
-            </a:r>
-            <a:r>
-              <a:rPr lang="de-DE" dirty="0" err="1"/>
-              <a:t>SimpleStudies</a:t>
-            </a:r>
-            <a:endParaRPr lang="de-DE" dirty="0"/>
+              <a:t>1.Sprint</a:t>
+            </a:r>
           </a:p>
         </p:txBody>
       </p:sp>
@@ -3726,8 +3847,8 @@
         </p:nvSpPr>
         <p:spPr>
           <a:xfrm>
-            <a:off x="1261872" y="1912690"/>
-            <a:ext cx="9418320" cy="4579550"/>
+            <a:off x="1261872" y="1723846"/>
+            <a:ext cx="9418320" cy="5024823"/>
           </a:xfrm>
         </p:spPr>
         <p:txBody>
@@ -3736,16 +3857,179 @@
           <a:p>
             <a:pPr algn="ctr"/>
             <a:r>
+              <a:rPr lang="de-DE" sz="2400" dirty="0" err="1">
+                <a:solidFill>
+                  <a:schemeClr val="tx1"/>
+                </a:solidFill>
+              </a:rPr>
+              <a:t>Planning</a:t>
+            </a:r>
+            <a:endParaRPr lang="de-DE" sz="2400" dirty="0">
+              <a:solidFill>
+                <a:schemeClr val="tx1"/>
+              </a:solidFill>
+            </a:endParaRPr>
+          </a:p>
+          <a:p>
+            <a:pPr marL="342900" indent="-342900">
+              <a:buFont typeface="Arial" panose="020B0604020202020204" pitchFamily="34" charset="0"/>
+              <a:buChar char="•"/>
+            </a:pPr>
+            <a:r>
               <a:rPr lang="de-DE" dirty="0"/>
-              <a:t>Hier werden Sie geholfen!</a:t>
-            </a:r>
-          </a:p>
-        </p:txBody>
-      </p:sp>
+              <a:t>Grundlagen: Git-Projekt anlegen, Layout/</a:t>
+            </a:r>
+            <a:br>
+              <a:rPr lang="de-DE" dirty="0"/>
+            </a:br>
+            <a:r>
+              <a:rPr lang="de-DE" dirty="0"/>
+              <a:t>Design bestimmen</a:t>
+            </a:r>
+          </a:p>
+          <a:p>
+            <a:pPr marL="342900" indent="-342900">
+              <a:buFont typeface="Arial" panose="020B0604020202020204" pitchFamily="34" charset="0"/>
+              <a:buChar char="•"/>
+            </a:pPr>
+            <a:r>
+              <a:rPr lang="de-DE" dirty="0"/>
+              <a:t>Stundenplan implementieren</a:t>
+            </a:r>
+          </a:p>
+          <a:p>
+            <a:pPr algn="ctr"/>
+            <a:r>
+              <a:rPr lang="de-DE" sz="2400" dirty="0">
+                <a:solidFill>
+                  <a:schemeClr val="tx1"/>
+                </a:solidFill>
+              </a:rPr>
+              <a:t>Verlauf</a:t>
+            </a:r>
+          </a:p>
+          <a:p>
+            <a:pPr marL="342900" indent="-342900">
+              <a:buFont typeface="Arial" panose="020B0604020202020204" pitchFamily="34" charset="0"/>
+              <a:buChar char="•"/>
+            </a:pPr>
+            <a:r>
+              <a:rPr lang="de-DE" dirty="0"/>
+              <a:t>Gemeinsame Erarbeitung des Designs</a:t>
+            </a:r>
+          </a:p>
+          <a:p>
+            <a:pPr marL="342900" indent="-342900">
+              <a:buFont typeface="Arial" panose="020B0604020202020204" pitchFamily="34" charset="0"/>
+              <a:buChar char="•"/>
+            </a:pPr>
+            <a:r>
+              <a:rPr lang="de-DE" dirty="0"/>
+              <a:t>Probleme beim ersten Arbeiten/Installieren mit Tools (v.a. Git, VS)</a:t>
+            </a:r>
+          </a:p>
+          <a:p>
+            <a:pPr algn="ctr"/>
+            <a:r>
+              <a:rPr lang="de-DE" sz="2400" dirty="0">
+                <a:solidFill>
+                  <a:schemeClr val="tx1"/>
+                </a:solidFill>
+              </a:rPr>
+              <a:t>Review</a:t>
+            </a:r>
+          </a:p>
+          <a:p>
+            <a:pPr marL="342900" indent="-342900">
+              <a:buFont typeface="Arial" panose="020B0604020202020204" pitchFamily="34" charset="0"/>
+              <a:buChar char="•"/>
+            </a:pPr>
+            <a:r>
+              <a:rPr lang="de-DE" dirty="0"/>
+              <a:t>Geschafft: „Schulungen“, Design, Layout, Datenbanken erstellt</a:t>
+            </a:r>
+          </a:p>
+          <a:p>
+            <a:pPr marL="342900" indent="-342900">
+              <a:buFont typeface="Arial" panose="020B0604020202020204" pitchFamily="34" charset="0"/>
+              <a:buChar char="•"/>
+            </a:pPr>
+            <a:r>
+              <a:rPr lang="de-DE" dirty="0"/>
+              <a:t>Nicht geschafft: Stundenplan</a:t>
+            </a:r>
+          </a:p>
+          <a:p>
+            <a:pPr marL="342900" indent="-342900">
+              <a:buFont typeface="Arial" panose="020B0604020202020204" pitchFamily="34" charset="0"/>
+              <a:buChar char="•"/>
+            </a:pPr>
+            <a:endParaRPr lang="de-DE" dirty="0"/>
+          </a:p>
+          <a:p>
+            <a:pPr marL="342900" indent="-342900">
+              <a:buFont typeface="Arial" panose="020B0604020202020204" pitchFamily="34" charset="0"/>
+              <a:buChar char="•"/>
+            </a:pPr>
+            <a:endParaRPr lang="de-DE" dirty="0"/>
+          </a:p>
+          <a:p>
+            <a:pPr marL="342900" indent="-342900">
+              <a:buFont typeface="Arial" panose="020B0604020202020204" pitchFamily="34" charset="0"/>
+              <a:buChar char="•"/>
+            </a:pPr>
+            <a:endParaRPr lang="de-DE" dirty="0"/>
+          </a:p>
+          <a:p>
+            <a:pPr marL="342900" indent="-342900">
+              <a:buFont typeface="Arial" panose="020B0604020202020204" pitchFamily="34" charset="0"/>
+              <a:buChar char="•"/>
+            </a:pPr>
+            <a:endParaRPr lang="de-DE" dirty="0"/>
+          </a:p>
+          <a:p>
+            <a:pPr marL="342900" indent="-342900">
+              <a:buFont typeface="Arial" panose="020B0604020202020204" pitchFamily="34" charset="0"/>
+              <a:buChar char="•"/>
+            </a:pPr>
+            <a:endParaRPr lang="de-DE" dirty="0"/>
+          </a:p>
+        </p:txBody>
+      </p:sp>
+      <p:pic>
+        <p:nvPicPr>
+          <p:cNvPr id="4" name="Grafik 3" descr="Ein Bild, das Tisch enthält.&#10;&#10;Automatisch generierte Beschreibung">
+            <a:extLst>
+              <a:ext uri="{FF2B5EF4-FFF2-40B4-BE49-F238E27FC236}">
+                <a16:creationId xmlns:a16="http://schemas.microsoft.com/office/drawing/2014/main" id="{B3AE1557-792E-223B-EA59-6B3C36EAD535}"/>
+              </a:ext>
+            </a:extLst>
+          </p:cNvPr>
+          <p:cNvPicPr>
+            <a:picLocks noChangeAspect="1"/>
+          </p:cNvPicPr>
+          <p:nvPr/>
+        </p:nvPicPr>
+        <p:blipFill>
+          <a:blip r:embed="rId2"/>
+          <a:stretch>
+            <a:fillRect/>
+          </a:stretch>
+        </p:blipFill>
+        <p:spPr bwMode="auto">
+          <a:xfrm>
+            <a:off x="7191292" y="1958009"/>
+            <a:ext cx="4488253" cy="2535032"/>
+          </a:xfrm>
+          <a:prstGeom prst="rect">
+            <a:avLst/>
+          </a:prstGeom>
+        </p:spPr>
+      </p:pic>
     </p:spTree>
     <p:extLst>
       <p:ext uri="{BB962C8B-B14F-4D97-AF65-F5344CB8AC3E}">
-        <p14:creationId xmlns:p14="http://schemas.microsoft.com/office/powerpoint/2010/main" val="3982429668"/>
+        <p14:creationId xmlns:p14="http://schemas.microsoft.com/office/powerpoint/2010/main" val="2678048765"/>
       </p:ext>
     </p:extLst>
   </p:cSld>
@@ -3798,15 +4082,11 @@
           <a:bodyPr/>
           <a:lstStyle/>
           <a:p>
+            <a:pPr algn="ctr"/>
             <a:r>
               <a:rPr lang="de-DE" dirty="0"/>
-              <a:t>Project </a:t>
-            </a:r>
-            <a:r>
-              <a:rPr lang="de-DE" dirty="0" err="1"/>
-              <a:t>SimpleStudies</a:t>
-            </a:r>
-            <a:endParaRPr lang="de-DE" dirty="0"/>
+              <a:t>2.Sprint</a:t>
+            </a:r>
           </a:p>
         </p:txBody>
       </p:sp>
@@ -3833,13 +4113,96 @@
           </a:xfrm>
         </p:spPr>
         <p:txBody>
-          <a:bodyPr/>
+          <a:bodyPr>
+            <a:normAutofit/>
+          </a:bodyPr>
           <a:lstStyle/>
           <a:p>
             <a:pPr algn="ctr"/>
             <a:r>
-              <a:rPr lang="de-DE" dirty="0"/>
-              <a:t>Hier werden Sie geholfen!</a:t>
+              <a:rPr lang="de-DE" sz="2800" dirty="0" err="1">
+                <a:solidFill>
+                  <a:schemeClr val="tx1"/>
+                </a:solidFill>
+              </a:rPr>
+              <a:t>Planning</a:t>
+            </a:r>
+            <a:endParaRPr lang="de-DE" sz="2800" dirty="0">
+              <a:solidFill>
+                <a:schemeClr val="tx1"/>
+              </a:solidFill>
+            </a:endParaRPr>
+          </a:p>
+          <a:p>
+            <a:pPr marL="342900" indent="-342900">
+              <a:buFont typeface="Arial" panose="020B0604020202020204" pitchFamily="34" charset="0"/>
+              <a:buChar char="•"/>
+            </a:pPr>
+            <a:r>
+              <a:rPr lang="de-DE" sz="2400" dirty="0"/>
+              <a:t>Hausaufgaben, Mail-Adressen, Stundenplan implementieren</a:t>
+            </a:r>
+          </a:p>
+          <a:p>
+            <a:pPr algn="ctr"/>
+            <a:r>
+              <a:rPr lang="de-DE" sz="2800" dirty="0">
+                <a:solidFill>
+                  <a:schemeClr val="tx1"/>
+                </a:solidFill>
+              </a:rPr>
+              <a:t>Verlauf</a:t>
+            </a:r>
+          </a:p>
+          <a:p>
+            <a:pPr marL="342900" indent="-342900">
+              <a:buFont typeface="Arial" panose="020B0604020202020204" pitchFamily="34" charset="0"/>
+              <a:buChar char="•"/>
+            </a:pPr>
+            <a:r>
+              <a:rPr lang="de-DE" sz="2400" dirty="0"/>
+              <a:t>Stundenplan zügig fertiggestellt</a:t>
+            </a:r>
+          </a:p>
+          <a:p>
+            <a:pPr marL="342900" indent="-342900">
+              <a:buFont typeface="Arial" panose="020B0604020202020204" pitchFamily="34" charset="0"/>
+              <a:buChar char="•"/>
+            </a:pPr>
+            <a:r>
+              <a:rPr lang="de-DE" sz="2400" dirty="0"/>
+              <a:t>Probleme beim Hochladen: Überschreibung des Projekts</a:t>
+            </a:r>
+          </a:p>
+          <a:p>
+            <a:pPr algn="ctr"/>
+            <a:r>
+              <a:rPr lang="de-DE" sz="2800" dirty="0">
+                <a:solidFill>
+                  <a:schemeClr val="tx1"/>
+                </a:solidFill>
+              </a:rPr>
+              <a:t>Review</a:t>
+            </a:r>
+          </a:p>
+          <a:p>
+            <a:pPr marL="342900" indent="-342900">
+              <a:buFont typeface="Arial" panose="020B0604020202020204" pitchFamily="34" charset="0"/>
+              <a:buChar char="•"/>
+            </a:pPr>
+            <a:r>
+              <a:rPr lang="de-DE" sz="2400" dirty="0"/>
+              <a:t>Geschafft: Stundenplan, Hausaufgaben</a:t>
+            </a:r>
+          </a:p>
+          <a:p>
+            <a:pPr marL="342900" indent="-342900">
+              <a:buFont typeface="Arial" panose="020B0604020202020204" pitchFamily="34" charset="0"/>
+              <a:buChar char="•"/>
+            </a:pPr>
+            <a:r>
+              <a:rPr lang="de-DE" sz="2400" dirty="0"/>
+              <a:t>Nicht geschafft: Mail-Adressen</a:t>
             </a:r>
           </a:p>
         </p:txBody>
@@ -3847,7 +4210,7 @@
     </p:spTree>
     <p:extLst>
       <p:ext uri="{BB962C8B-B14F-4D97-AF65-F5344CB8AC3E}">
-        <p14:creationId xmlns:p14="http://schemas.microsoft.com/office/powerpoint/2010/main" val="236078432"/>
+        <p14:creationId xmlns:p14="http://schemas.microsoft.com/office/powerpoint/2010/main" val="2305307016"/>
       </p:ext>
     </p:extLst>
   </p:cSld>
@@ -3900,15 +4263,11 @@
           <a:bodyPr/>
           <a:lstStyle/>
           <a:p>
+            <a:pPr algn="ctr"/>
             <a:r>
               <a:rPr lang="de-DE" dirty="0"/>
-              <a:t>Project </a:t>
-            </a:r>
-            <a:r>
-              <a:rPr lang="de-DE" dirty="0" err="1"/>
-              <a:t>SimpleStudies</a:t>
-            </a:r>
-            <a:endParaRPr lang="de-DE" dirty="0"/>
+              <a:t>3.Sprint</a:t>
+            </a:r>
           </a:p>
         </p:txBody>
       </p:sp>
@@ -3935,21 +4294,185 @@
           </a:xfrm>
         </p:spPr>
         <p:txBody>
-          <a:bodyPr/>
+          <a:bodyPr>
+            <a:normAutofit lnSpcReduction="10000"/>
+          </a:bodyPr>
           <a:lstStyle/>
           <a:p>
             <a:pPr algn="ctr"/>
             <a:r>
+              <a:rPr lang="de-DE" sz="2400" dirty="0" err="1">
+                <a:solidFill>
+                  <a:schemeClr val="tx1"/>
+                </a:solidFill>
+              </a:rPr>
+              <a:t>Planning</a:t>
+            </a:r>
+            <a:endParaRPr lang="de-DE" sz="2400" dirty="0">
+              <a:solidFill>
+                <a:schemeClr val="tx1"/>
+              </a:solidFill>
+            </a:endParaRPr>
+          </a:p>
+          <a:p>
+            <a:pPr marL="342900" indent="-342900">
+              <a:buFont typeface="Arial" panose="020B0604020202020204" pitchFamily="34" charset="0"/>
+              <a:buChar char="•"/>
+            </a:pPr>
+            <a:r>
+              <a:rPr lang="de-DE" dirty="0">
+                <a:effectLst/>
+                <a:latin typeface="Century Schoolbook (Textkörper)"/>
+                <a:ea typeface="DengXian" panose="020B0503020204020204" pitchFamily="2" charset="-122"/>
+                <a:cs typeface="Times New Roman" panose="02020603050405020304" pitchFamily="18" charset="0"/>
+              </a:rPr>
+              <a:t>Lernplan, Notenübersicht, E-Mail und </a:t>
+            </a:r>
+            <a:r>
+              <a:rPr lang="de-DE" dirty="0" err="1">
+                <a:effectLst/>
+                <a:latin typeface="Century Schoolbook (Textkörper)"/>
+                <a:ea typeface="DengXian" panose="020B0503020204020204" pitchFamily="2" charset="-122"/>
+                <a:cs typeface="Times New Roman" panose="02020603050405020304" pitchFamily="18" charset="0"/>
+              </a:rPr>
+              <a:t>NewsFeed</a:t>
+            </a:r>
+            <a:r>
+              <a:rPr lang="de-DE" dirty="0">
+                <a:effectLst/>
+                <a:latin typeface="Century Schoolbook (Textkörper)"/>
+                <a:ea typeface="DengXian" panose="020B0503020204020204" pitchFamily="2" charset="-122"/>
+                <a:cs typeface="Times New Roman" panose="02020603050405020304" pitchFamily="18" charset="0"/>
+              </a:rPr>
+              <a:t> </a:t>
+            </a:r>
+            <a:r>
+              <a:rPr lang="de-DE" dirty="0">
+                <a:latin typeface="Century Schoolbook (Textkörper)"/>
+              </a:rPr>
+              <a:t> </a:t>
+            </a:r>
+            <a:r>
               <a:rPr lang="de-DE" dirty="0"/>
-              <a:t>Hier werden Sie geholfen!</a:t>
-            </a:r>
+              <a:t>implementieren</a:t>
+            </a:r>
+          </a:p>
+          <a:p>
+            <a:pPr marL="342900" indent="-342900">
+              <a:buFont typeface="Arial" panose="020B0604020202020204" pitchFamily="34" charset="0"/>
+              <a:buChar char="•"/>
+            </a:pPr>
+            <a:r>
+              <a:rPr lang="de-DE" dirty="0"/>
+              <a:t>Zahlreiche Diskussionen über genaue Umsetzung</a:t>
+            </a:r>
+          </a:p>
+          <a:p>
+            <a:pPr marL="342900" indent="-342900">
+              <a:buFont typeface="Arial" panose="020B0604020202020204" pitchFamily="34" charset="0"/>
+              <a:buChar char="•"/>
+            </a:pPr>
+            <a:r>
+              <a:rPr lang="de-DE" dirty="0"/>
+              <a:t>Verwerfen von Epic </a:t>
+            </a:r>
+            <a:r>
+              <a:rPr lang="de-DE" dirty="0" err="1"/>
+              <a:t>Aufschriebeverwaltung</a:t>
+            </a:r>
+            <a:endParaRPr lang="de-DE" dirty="0"/>
+          </a:p>
+          <a:p>
+            <a:pPr algn="ctr"/>
+            <a:r>
+              <a:rPr lang="de-DE" sz="2400" dirty="0">
+                <a:solidFill>
+                  <a:schemeClr val="tx1"/>
+                </a:solidFill>
+              </a:rPr>
+              <a:t>Verlauf</a:t>
+            </a:r>
+          </a:p>
+          <a:p>
+            <a:pPr marL="342900" indent="-342900">
+              <a:buFont typeface="Arial" panose="020B0604020202020204" pitchFamily="34" charset="0"/>
+              <a:buChar char="•"/>
+            </a:pPr>
+            <a:r>
+              <a:rPr lang="de-DE" dirty="0"/>
+              <a:t>Mangelnde Erfahrung Entity Framework: schleppender Fortschritt</a:t>
+            </a:r>
+          </a:p>
+          <a:p>
+            <a:pPr marL="342900" indent="-342900">
+              <a:buFont typeface="Arial" panose="020B0604020202020204" pitchFamily="34" charset="0"/>
+              <a:buChar char="•"/>
+            </a:pPr>
+            <a:r>
+              <a:rPr lang="de-DE" dirty="0"/>
+              <a:t>Teammeeting: Festlegen Grundlagen </a:t>
+            </a:r>
+            <a:r>
+              <a:rPr lang="de-DE" dirty="0" err="1"/>
+              <a:t>Projektpräsenation</a:t>
+            </a:r>
+            <a:endParaRPr lang="de-DE" dirty="0"/>
+          </a:p>
+          <a:p>
+            <a:pPr algn="ctr"/>
+            <a:r>
+              <a:rPr lang="de-DE" sz="2400" dirty="0">
+                <a:solidFill>
+                  <a:schemeClr val="tx1"/>
+                </a:solidFill>
+              </a:rPr>
+              <a:t>Review</a:t>
+            </a:r>
+          </a:p>
+          <a:p>
+            <a:pPr marL="342900" indent="-342900">
+              <a:buFont typeface="Arial" panose="020B0604020202020204" pitchFamily="34" charset="0"/>
+              <a:buChar char="•"/>
+            </a:pPr>
+            <a:r>
+              <a:rPr lang="de-DE" dirty="0"/>
+              <a:t>Geschafft: </a:t>
+            </a:r>
+            <a:r>
+              <a:rPr lang="de-DE" dirty="0">
+                <a:effectLst/>
+                <a:latin typeface="Century Schoolbook (Textkörper)"/>
+                <a:ea typeface="DengXian" panose="020B0503020204020204" pitchFamily="2" charset="-122"/>
+                <a:cs typeface="Times New Roman" panose="02020603050405020304" pitchFamily="18" charset="0"/>
+              </a:rPr>
+              <a:t>Lernplan, Notenübersicht, E-Mail und </a:t>
+            </a:r>
+            <a:r>
+              <a:rPr lang="de-DE" dirty="0" err="1">
+                <a:effectLst/>
+                <a:latin typeface="Century Schoolbook (Textkörper)"/>
+                <a:ea typeface="DengXian" panose="020B0503020204020204" pitchFamily="2" charset="-122"/>
+                <a:cs typeface="Times New Roman" panose="02020603050405020304" pitchFamily="18" charset="0"/>
+              </a:rPr>
+              <a:t>NewsFeed</a:t>
+            </a:r>
+            <a:r>
+              <a:rPr lang="de-DE" dirty="0">
+                <a:effectLst/>
+                <a:latin typeface="Century Schoolbook (Textkörper)"/>
+                <a:ea typeface="DengXian" panose="020B0503020204020204" pitchFamily="2" charset="-122"/>
+                <a:cs typeface="Times New Roman" panose="02020603050405020304" pitchFamily="18" charset="0"/>
+              </a:rPr>
+              <a:t> </a:t>
+            </a:r>
+            <a:endParaRPr lang="de-DE" dirty="0"/>
           </a:p>
         </p:txBody>
       </p:sp>
     </p:spTree>
     <p:extLst>
       <p:ext uri="{BB962C8B-B14F-4D97-AF65-F5344CB8AC3E}">
-        <p14:creationId xmlns:p14="http://schemas.microsoft.com/office/powerpoint/2010/main" val="1503645249"/>
+        <p14:creationId xmlns:p14="http://schemas.microsoft.com/office/powerpoint/2010/main" val="111341667"/>
       </p:ext>
     </p:extLst>
   </p:cSld>
@@ -4002,15 +4525,11 @@
           <a:bodyPr/>
           <a:lstStyle/>
           <a:p>
+            <a:pPr algn="ctr"/>
             <a:r>
               <a:rPr lang="de-DE" dirty="0"/>
-              <a:t>Project </a:t>
-            </a:r>
-            <a:r>
-              <a:rPr lang="de-DE" dirty="0" err="1"/>
-              <a:t>SimpleStudies</a:t>
-            </a:r>
-            <a:endParaRPr lang="de-DE" dirty="0"/>
+              <a:t>4.Sprint</a:t>
+            </a:r>
           </a:p>
         </p:txBody>
       </p:sp>
@@ -4037,21 +4556,120 @@
           </a:xfrm>
         </p:spPr>
         <p:txBody>
-          <a:bodyPr/>
+          <a:bodyPr>
+            <a:normAutofit/>
+          </a:bodyPr>
           <a:lstStyle/>
           <a:p>
             <a:pPr algn="ctr"/>
             <a:r>
+              <a:rPr lang="de-DE" sz="2400" dirty="0" err="1">
+                <a:solidFill>
+                  <a:schemeClr val="tx1"/>
+                </a:solidFill>
+              </a:rPr>
+              <a:t>Planning</a:t>
+            </a:r>
+            <a:endParaRPr lang="de-DE" sz="2400" dirty="0">
+              <a:solidFill>
+                <a:schemeClr val="tx1"/>
+              </a:solidFill>
+            </a:endParaRPr>
+          </a:p>
+          <a:p>
+            <a:pPr marL="342900" indent="-342900">
+              <a:buFont typeface="Arial" panose="020B0604020202020204" pitchFamily="34" charset="0"/>
+              <a:buChar char="•"/>
+            </a:pPr>
+            <a:r>
+              <a:rPr lang="de-DE" dirty="0">
+                <a:effectLst/>
+                <a:latin typeface="Century Schoolbook (Textkörper)"/>
+                <a:ea typeface="DengXian" panose="020B0503020204020204" pitchFamily="2" charset="-122"/>
+                <a:cs typeface="Times New Roman" panose="02020603050405020304" pitchFamily="18" charset="0"/>
+              </a:rPr>
+              <a:t>Ästhetischere Gestaltung des Programmes</a:t>
+            </a:r>
+            <a:endParaRPr lang="de-DE" dirty="0"/>
+          </a:p>
+          <a:p>
+            <a:pPr marL="342900" indent="-342900">
+              <a:buFont typeface="Arial" panose="020B0604020202020204" pitchFamily="34" charset="0"/>
+              <a:buChar char="•"/>
+            </a:pPr>
+            <a:r>
               <a:rPr lang="de-DE" dirty="0"/>
-              <a:t>Hier werden Sie geholfen!</a:t>
-            </a:r>
+              <a:t>Verfassen Ausarbeitung /Präsentation</a:t>
+            </a:r>
+          </a:p>
+          <a:p>
+            <a:pPr algn="ctr"/>
+            <a:r>
+              <a:rPr lang="de-DE" sz="2400" dirty="0">
+                <a:solidFill>
+                  <a:schemeClr val="tx1"/>
+                </a:solidFill>
+              </a:rPr>
+              <a:t>Verlauf</a:t>
+            </a:r>
+          </a:p>
+          <a:p>
+            <a:pPr marL="342900" indent="-342900">
+              <a:buFont typeface="Arial" panose="020B0604020202020204" pitchFamily="34" charset="0"/>
+              <a:buChar char="•"/>
+            </a:pPr>
+            <a:r>
+              <a:rPr lang="de-DE" dirty="0"/>
+              <a:t>Teammeeting: gemeinsame Überarbeitung des Programmes</a:t>
+            </a:r>
+          </a:p>
+          <a:p>
+            <a:pPr marL="342900" indent="-342900">
+              <a:buFont typeface="Arial" panose="020B0604020202020204" pitchFamily="34" charset="0"/>
+              <a:buChar char="•"/>
+            </a:pPr>
+            <a:r>
+              <a:rPr lang="de-DE" dirty="0"/>
+              <a:t>Brainstorming für Präsentation und Unterpunkte der Ausarbeitung</a:t>
+            </a:r>
+          </a:p>
+          <a:p>
+            <a:pPr algn="ctr"/>
+            <a:r>
+              <a:rPr lang="de-DE" sz="2400" dirty="0">
+                <a:solidFill>
+                  <a:schemeClr val="tx1"/>
+                </a:solidFill>
+              </a:rPr>
+              <a:t>Review</a:t>
+            </a:r>
+          </a:p>
+          <a:p>
+            <a:pPr marL="342900" indent="-342900">
+              <a:buFont typeface="Arial" panose="020B0604020202020204" pitchFamily="34" charset="0"/>
+              <a:buChar char="•"/>
+            </a:pPr>
+            <a:r>
+              <a:rPr lang="de-DE" dirty="0"/>
+              <a:t>Geschafft: </a:t>
+            </a:r>
+            <a:r>
+              <a:rPr lang="de-DE" dirty="0">
+                <a:effectLst/>
+                <a:latin typeface="Century Schoolbook (Textkörper)"/>
+                <a:ea typeface="DengXian" panose="020B0503020204020204" pitchFamily="2" charset="-122"/>
+                <a:cs typeface="Times New Roman" panose="02020603050405020304" pitchFamily="18" charset="0"/>
+              </a:rPr>
+              <a:t>Ästhetisches Programm, Ausarbeitung, Präsentation</a:t>
+            </a:r>
+            <a:endParaRPr lang="de-DE" dirty="0"/>
           </a:p>
         </p:txBody>
       </p:sp>
     </p:spTree>
     <p:extLst>
       <p:ext uri="{BB962C8B-B14F-4D97-AF65-F5344CB8AC3E}">
-        <p14:creationId xmlns:p14="http://schemas.microsoft.com/office/powerpoint/2010/main" val="2950510228"/>
+        <p14:creationId xmlns:p14="http://schemas.microsoft.com/office/powerpoint/2010/main" val="1139599031"/>
       </p:ext>
     </p:extLst>
   </p:cSld>
@@ -4097,63 +4715,26 @@
         <p:spPr>
           <a:xfrm>
             <a:off x="1261872" y="758952"/>
-            <a:ext cx="9418320" cy="1044681"/>
+            <a:ext cx="9418320" cy="3041523"/>
           </a:xfrm>
         </p:spPr>
         <p:txBody>
           <a:bodyPr/>
           <a:lstStyle/>
           <a:p>
-            <a:r>
-              <a:rPr lang="de-DE" dirty="0"/>
-              <a:t>Project </a:t>
-            </a:r>
-            <a:r>
-              <a:rPr lang="de-DE" dirty="0" err="1"/>
-              <a:t>SimpleStudies</a:t>
+            <a:pPr algn="ctr"/>
+            <a:r>
+              <a:rPr lang="de-DE" sz="7200" dirty="0"/>
+              <a:t>Interview</a:t>
             </a:r>
             <a:endParaRPr lang="de-DE" dirty="0"/>
-          </a:p>
-        </p:txBody>
-      </p:sp>
-      <p:sp>
-        <p:nvSpPr>
-          <p:cNvPr id="3" name="Untertitel 2">
-            <a:extLst>
-              <a:ext uri="{FF2B5EF4-FFF2-40B4-BE49-F238E27FC236}">
-                <a16:creationId xmlns:a16="http://schemas.microsoft.com/office/drawing/2014/main" id="{F9DA31C7-014A-A350-CF04-E7466ABFCC42}"/>
-              </a:ext>
-            </a:extLst>
-          </p:cNvPr>
-          <p:cNvSpPr>
-            <a:spLocks noGrp="1"/>
-          </p:cNvSpPr>
-          <p:nvPr>
-            <p:ph type="subTitle" idx="1"/>
-          </p:nvPr>
-        </p:nvSpPr>
-        <p:spPr>
-          <a:xfrm>
-            <a:off x="1261872" y="1912690"/>
-            <a:ext cx="9418320" cy="4579550"/>
-          </a:xfrm>
-        </p:spPr>
-        <p:txBody>
-          <a:bodyPr/>
-          <a:lstStyle/>
-          <a:p>
-            <a:pPr algn="ctr"/>
-            <a:r>
-              <a:rPr lang="de-DE" dirty="0"/>
-              <a:t>Hier werden Sie geholfen!</a:t>
-            </a:r>
           </a:p>
         </p:txBody>
       </p:sp>
     </p:spTree>
     <p:extLst>
       <p:ext uri="{BB962C8B-B14F-4D97-AF65-F5344CB8AC3E}">
-        <p14:creationId xmlns:p14="http://schemas.microsoft.com/office/powerpoint/2010/main" val="2678048765"/>
+        <p14:creationId xmlns:p14="http://schemas.microsoft.com/office/powerpoint/2010/main" val="3248030241"/>
       </p:ext>
     </p:extLst>
   </p:cSld>
@@ -4199,63 +4780,26 @@
         <p:spPr>
           <a:xfrm>
             <a:off x="1261872" y="758952"/>
-            <a:ext cx="9418320" cy="1044681"/>
+            <a:ext cx="9418320" cy="3041523"/>
           </a:xfrm>
         </p:spPr>
         <p:txBody>
           <a:bodyPr/>
           <a:lstStyle/>
           <a:p>
-            <a:r>
-              <a:rPr lang="de-DE" dirty="0"/>
-              <a:t>Project </a:t>
-            </a:r>
-            <a:r>
-              <a:rPr lang="de-DE" dirty="0" err="1"/>
-              <a:t>SimpleStudies</a:t>
+            <a:pPr algn="ctr"/>
+            <a:r>
+              <a:rPr lang="de-DE" sz="7200" dirty="0"/>
+              <a:t>Testphase</a:t>
             </a:r>
             <a:endParaRPr lang="de-DE" dirty="0"/>
-          </a:p>
-        </p:txBody>
-      </p:sp>
-      <p:sp>
-        <p:nvSpPr>
-          <p:cNvPr id="3" name="Untertitel 2">
-            <a:extLst>
-              <a:ext uri="{FF2B5EF4-FFF2-40B4-BE49-F238E27FC236}">
-                <a16:creationId xmlns:a16="http://schemas.microsoft.com/office/drawing/2014/main" id="{F9DA31C7-014A-A350-CF04-E7466ABFCC42}"/>
-              </a:ext>
-            </a:extLst>
-          </p:cNvPr>
-          <p:cNvSpPr>
-            <a:spLocks noGrp="1"/>
-          </p:cNvSpPr>
-          <p:nvPr>
-            <p:ph type="subTitle" idx="1"/>
-          </p:nvPr>
-        </p:nvSpPr>
-        <p:spPr>
-          <a:xfrm>
-            <a:off x="1261872" y="1912690"/>
-            <a:ext cx="9418320" cy="4579550"/>
-          </a:xfrm>
-        </p:spPr>
-        <p:txBody>
-          <a:bodyPr/>
-          <a:lstStyle/>
-          <a:p>
-            <a:pPr algn="ctr"/>
-            <a:r>
-              <a:rPr lang="de-DE" dirty="0"/>
-              <a:t>Hier werden Sie geholfen!</a:t>
-            </a:r>
           </a:p>
         </p:txBody>
       </p:sp>
     </p:spTree>
     <p:extLst>
       <p:ext uri="{BB962C8B-B14F-4D97-AF65-F5344CB8AC3E}">
-        <p14:creationId xmlns:p14="http://schemas.microsoft.com/office/powerpoint/2010/main" val="2305307016"/>
+        <p14:creationId xmlns:p14="http://schemas.microsoft.com/office/powerpoint/2010/main" val="2397518423"/>
       </p:ext>
     </p:extLst>
   </p:cSld>
@@ -4301,63 +4845,30 @@
         <p:spPr>
           <a:xfrm>
             <a:off x="1261872" y="758952"/>
-            <a:ext cx="9418320" cy="1044681"/>
+            <a:ext cx="9418320" cy="3041523"/>
           </a:xfrm>
         </p:spPr>
         <p:txBody>
           <a:bodyPr/>
           <a:lstStyle/>
           <a:p>
-            <a:r>
-              <a:rPr lang="de-DE" dirty="0"/>
-              <a:t>Project </a:t>
+            <a:pPr algn="ctr"/>
+            <a:r>
+              <a:rPr lang="de-DE" sz="7200" dirty="0" err="1"/>
+              <a:t>Lessons</a:t>
             </a:r>
             <a:r>
               <a:rPr lang="de-DE" dirty="0" err="1"/>
-              <a:t>SimpleStudies</a:t>
+              <a:t>Learned</a:t>
             </a:r>
             <a:endParaRPr lang="de-DE" dirty="0"/>
-          </a:p>
-        </p:txBody>
-      </p:sp>
-      <p:sp>
-        <p:nvSpPr>
-          <p:cNvPr id="3" name="Untertitel 2">
-            <a:extLst>
-              <a:ext uri="{FF2B5EF4-FFF2-40B4-BE49-F238E27FC236}">
-                <a16:creationId xmlns:a16="http://schemas.microsoft.com/office/drawing/2014/main" id="{F9DA31C7-014A-A350-CF04-E7466ABFCC42}"/>
-              </a:ext>
-            </a:extLst>
-          </p:cNvPr>
-          <p:cNvSpPr>
-            <a:spLocks noGrp="1"/>
-          </p:cNvSpPr>
-          <p:nvPr>
-            <p:ph type="subTitle" idx="1"/>
-          </p:nvPr>
-        </p:nvSpPr>
-        <p:spPr>
-          <a:xfrm>
-            <a:off x="1261872" y="1912690"/>
-            <a:ext cx="9418320" cy="4579550"/>
-          </a:xfrm>
-        </p:spPr>
-        <p:txBody>
-          <a:bodyPr/>
-          <a:lstStyle/>
-          <a:p>
-            <a:pPr algn="ctr"/>
-            <a:r>
-              <a:rPr lang="de-DE" dirty="0"/>
-              <a:t>Hier werden Sie geholfen!</a:t>
-            </a:r>
           </a:p>
         </p:txBody>
       </p:sp>
     </p:spTree>
     <p:extLst>
       <p:ext uri="{BB962C8B-B14F-4D97-AF65-F5344CB8AC3E}">
-        <p14:creationId xmlns:p14="http://schemas.microsoft.com/office/powerpoint/2010/main" val="111341667"/>
+        <p14:creationId xmlns:p14="http://schemas.microsoft.com/office/powerpoint/2010/main" val="2277728335"/>
       </p:ext>
     </p:extLst>
   </p:cSld>
@@ -4403,63 +4914,26 @@
         <p:spPr>
           <a:xfrm>
             <a:off x="1261872" y="758952"/>
-            <a:ext cx="9418320" cy="1044681"/>
+            <a:ext cx="9418320" cy="3041523"/>
           </a:xfrm>
         </p:spPr>
         <p:txBody>
           <a:bodyPr/>
           <a:lstStyle/>
           <a:p>
-            <a:r>
-              <a:rPr lang="de-DE" dirty="0"/>
-              <a:t>Project </a:t>
-            </a:r>
-            <a:r>
-              <a:rPr lang="de-DE" dirty="0" err="1"/>
-              <a:t>SimpleStudies</a:t>
+            <a:pPr algn="ctr"/>
+            <a:r>
+              <a:rPr lang="de-DE" sz="7200" dirty="0" err="1"/>
+              <a:t>Kahoot</a:t>
             </a:r>
             <a:endParaRPr lang="de-DE" dirty="0"/>
-          </a:p>
-        </p:txBody>
-      </p:sp>
-      <p:sp>
-        <p:nvSpPr>
-          <p:cNvPr id="3" name="Untertitel 2">
-            <a:extLst>
-              <a:ext uri="{FF2B5EF4-FFF2-40B4-BE49-F238E27FC236}">
-                <a16:creationId xmlns:a16="http://schemas.microsoft.com/office/drawing/2014/main" id="{F9DA31C7-014A-A350-CF04-E7466ABFCC42}"/>
-              </a:ext>
-            </a:extLst>
-          </p:cNvPr>
-          <p:cNvSpPr>
-            <a:spLocks noGrp="1"/>
-          </p:cNvSpPr>
-          <p:nvPr>
-            <p:ph type="subTitle" idx="1"/>
-          </p:nvPr>
-        </p:nvSpPr>
-        <p:spPr>
-          <a:xfrm>
-            <a:off x="1261872" y="1912690"/>
-            <a:ext cx="9418320" cy="4579550"/>
-          </a:xfrm>
-        </p:spPr>
-        <p:txBody>
-          <a:bodyPr/>
-          <a:lstStyle/>
-          <a:p>
-            <a:pPr algn="ctr"/>
-            <a:r>
-              <a:rPr lang="de-DE" dirty="0"/>
-              <a:t>Hier werden Sie geholfen!</a:t>
-            </a:r>
           </a:p>
         </p:txBody>
       </p:sp>
     </p:spTree>
     <p:extLst>
       <p:ext uri="{BB962C8B-B14F-4D97-AF65-F5344CB8AC3E}">
-        <p14:creationId xmlns:p14="http://schemas.microsoft.com/office/powerpoint/2010/main" val="1139599031"/>
+        <p14:creationId xmlns:p14="http://schemas.microsoft.com/office/powerpoint/2010/main" val="2388518561"/>
       </p:ext>
     </p:extLst>
   </p:cSld>
@@ -4470,7 +4944,7 @@
 </file>
 
 <file path=ppt/slides/slide19.xml><?xml version="1.0" encoding="utf-8"?>
-<p:sld xmlns:a="http://schemas.openxmlformats.org/drawingml/2006/main" xmlns:r="http://schemas.openxmlformats.org/officeDocument/2006/relationships" xmlns:p="http://schemas.openxmlformats.org/presentationml/2006/main">
+<p:sld xmlns:a="http://schemas.openxmlformats.org/drawingml/2006/main" xmlns:r="http://schemas.openxmlformats.org/officeDocument/2006/relationships" xmlns:p="http://schemas.openxmlformats.org/presentationml/2006/main" show="0">
   <p:cSld>
     <p:spTree>
       <p:nvGrpSpPr>
@@ -4542,26 +5016,172 @@
         </p:nvSpPr>
         <p:spPr>
           <a:xfrm>
-            <a:off x="1261872" y="1912690"/>
+            <a:off x="1261872" y="1969840"/>
             <a:ext cx="9418320" cy="4579550"/>
           </a:xfrm>
         </p:spPr>
         <p:txBody>
-          <a:bodyPr/>
-          <a:lstStyle/>
-          <a:p>
-            <a:pPr algn="ctr"/>
+          <a:bodyPr>
+            <a:normAutofit/>
+          </a:bodyPr>
+          <a:lstStyle/>
+          <a:p>
+            <a:pPr marL="342900" indent="-342900">
+              <a:buFont typeface="Arial" panose="020B0604020202020204" pitchFamily="34" charset="0"/>
+              <a:buChar char="•"/>
+            </a:pPr>
             <a:r>
               <a:rPr lang="de-DE" dirty="0"/>
-              <a:t>Hier werden Sie geholfen!</a:t>
-            </a:r>
+              <a:t>Präsi (10-15min)</a:t>
+            </a:r>
+          </a:p>
+          <a:p>
+            <a:pPr marL="342900" indent="-342900">
+              <a:buFont typeface="Arial" panose="020B0604020202020204" pitchFamily="34" charset="0"/>
+              <a:buChar char="•"/>
+            </a:pPr>
+            <a:r>
+              <a:rPr lang="de-DE" dirty="0"/>
+              <a:t>Interview1 (3-5min)</a:t>
+            </a:r>
+          </a:p>
+          <a:p>
+            <a:pPr marL="342900" indent="-342900">
+              <a:buFont typeface="Arial" panose="020B0604020202020204" pitchFamily="34" charset="0"/>
+              <a:buChar char="•"/>
+            </a:pPr>
+            <a:r>
+              <a:rPr lang="de-DE" dirty="0"/>
+              <a:t>Interview2 (3-5min)</a:t>
+            </a:r>
+          </a:p>
+          <a:p>
+            <a:pPr marL="342900" indent="-342900">
+              <a:buFont typeface="Arial" panose="020B0604020202020204" pitchFamily="34" charset="0"/>
+              <a:buChar char="•"/>
+            </a:pPr>
+            <a:r>
+              <a:rPr lang="de-DE" dirty="0"/>
+              <a:t>Rumklicken(10 min)	</a:t>
+            </a:r>
+          </a:p>
+          <a:p>
+            <a:pPr marL="342900" indent="-342900">
+              <a:buFont typeface="Arial" panose="020B0604020202020204" pitchFamily="34" charset="0"/>
+              <a:buChar char="•"/>
+            </a:pPr>
+            <a:r>
+              <a:rPr lang="de-DE" dirty="0" err="1"/>
+              <a:t>Lessons</a:t>
+            </a:r>
+            <a:r>
+              <a:rPr lang="de-DE" dirty="0"/>
+              <a:t> </a:t>
+            </a:r>
+            <a:r>
+              <a:rPr lang="de-DE" dirty="0" err="1"/>
+              <a:t>learned</a:t>
+            </a:r>
+            <a:r>
+              <a:rPr lang="de-DE" dirty="0"/>
+              <a:t>(10min; 2,5 pro Person)</a:t>
+            </a:r>
+          </a:p>
+          <a:p>
+            <a:pPr lvl="1" indent="-457200">
+              <a:buFont typeface="Arial" panose="020B0604020202020204" pitchFamily="34" charset="0"/>
+              <a:buChar char="•"/>
+              <a:tabLst>
+                <a:tab pos="538163" algn="l"/>
+              </a:tabLst>
+            </a:pPr>
+            <a:r>
+              <a:rPr lang="de-DE" dirty="0"/>
+              <a:t>Zerschießen/GitHub (Marco)</a:t>
+            </a:r>
+          </a:p>
+          <a:p>
+            <a:pPr lvl="1" indent="-457200">
+              <a:buFont typeface="Arial" panose="020B0604020202020204" pitchFamily="34" charset="0"/>
+              <a:buChar char="•"/>
+              <a:tabLst>
+                <a:tab pos="538163" algn="l"/>
+              </a:tabLst>
+            </a:pPr>
+            <a:r>
+              <a:rPr lang="de-DE" dirty="0"/>
+              <a:t> übernommen (Matthias)</a:t>
+            </a:r>
+          </a:p>
+          <a:p>
+            <a:pPr lvl="1" indent="-457200">
+              <a:buFont typeface="Arial" panose="020B0604020202020204" pitchFamily="34" charset="0"/>
+              <a:buChar char="•"/>
+              <a:tabLst>
+                <a:tab pos="538163" algn="l"/>
+              </a:tabLst>
+            </a:pPr>
+            <a:r>
+              <a:rPr lang="de-DE" dirty="0"/>
+              <a:t>Agiles </a:t>
+            </a:r>
+            <a:r>
+              <a:rPr lang="de-DE" dirty="0" err="1"/>
+              <a:t>MindSet</a:t>
+            </a:r>
+            <a:r>
+              <a:rPr lang="de-DE" dirty="0"/>
+              <a:t> (Nicolas)</a:t>
+            </a:r>
+          </a:p>
+          <a:p>
+            <a:pPr lvl="1" indent="-457200">
+              <a:buFont typeface="Arial" panose="020B0604020202020204" pitchFamily="34" charset="0"/>
+              <a:buChar char="•"/>
+              <a:tabLst>
+                <a:tab pos="538163" algn="l"/>
+              </a:tabLst>
+            </a:pPr>
+            <a:r>
+              <a:rPr lang="de-DE" dirty="0"/>
+              <a:t>Kleinere Probleme </a:t>
+            </a:r>
+            <a:r>
+              <a:rPr lang="de-DE" dirty="0" err="1"/>
+              <a:t>skippen</a:t>
+            </a:r>
+            <a:r>
+              <a:rPr lang="de-DE" dirty="0"/>
+              <a:t> (Louis)</a:t>
+            </a:r>
+          </a:p>
+          <a:p>
+            <a:pPr marL="342900" indent="-342900">
+              <a:buFont typeface="Arial" panose="020B0604020202020204" pitchFamily="34" charset="0"/>
+              <a:buChar char="•"/>
+            </a:pPr>
+            <a:r>
+              <a:rPr lang="de-DE" dirty="0" err="1"/>
+              <a:t>Kahoot</a:t>
+            </a:r>
+            <a:r>
+              <a:rPr lang="de-DE" dirty="0"/>
+              <a:t>(5-10min)</a:t>
+            </a:r>
+          </a:p>
+          <a:p>
+            <a:pPr marL="342900" indent="-342900">
+              <a:buFont typeface="Arial" panose="020B0604020202020204" pitchFamily="34" charset="0"/>
+              <a:buChar char="•"/>
+            </a:pPr>
+            <a:endParaRPr lang="de-DE" dirty="0"/>
           </a:p>
         </p:txBody>
       </p:sp>
     </p:spTree>
     <p:extLst>
       <p:ext uri="{BB962C8B-B14F-4D97-AF65-F5344CB8AC3E}">
-        <p14:creationId xmlns:p14="http://schemas.microsoft.com/office/powerpoint/2010/main" val="2753027029"/>
+        <p14:creationId xmlns:p14="http://schemas.microsoft.com/office/powerpoint/2010/main" val="3136807347"/>
       </p:ext>
     </p:extLst>
   </p:cSld>
@@ -4699,516 +5319,6 @@
 </p:sld>
 </file>
 
-<file path=ppt/slides/slide20.xml><?xml version="1.0" encoding="utf-8"?>
-<p:sld xmlns:a="http://schemas.openxmlformats.org/drawingml/2006/main" xmlns:r="http://schemas.openxmlformats.org/officeDocument/2006/relationships" xmlns:p="http://schemas.openxmlformats.org/presentationml/2006/main">
-  <p:cSld>
-    <p:spTree>
-      <p:nvGrpSpPr>
-        <p:cNvPr id="1" name=""/>
-        <p:cNvGrpSpPr/>
-        <p:nvPr/>
-      </p:nvGrpSpPr>
-      <p:grpSpPr>
-        <a:xfrm>
-          <a:off x="0" y="0"/>
-          <a:ext cx="0" cy="0"/>
-          <a:chOff x="0" y="0"/>
-          <a:chExt cx="0" cy="0"/>
-        </a:xfrm>
-      </p:grpSpPr>
-      <p:sp>
-        <p:nvSpPr>
-          <p:cNvPr id="2" name="Titel 1">
-            <a:extLst>
-              <a:ext uri="{FF2B5EF4-FFF2-40B4-BE49-F238E27FC236}">
-                <a16:creationId xmlns:a16="http://schemas.microsoft.com/office/drawing/2014/main" id="{548E2CA1-900F-B870-4527-70B170D016C9}"/>
-              </a:ext>
-            </a:extLst>
-          </p:cNvPr>
-          <p:cNvSpPr>
-            <a:spLocks noGrp="1"/>
-          </p:cNvSpPr>
-          <p:nvPr>
-            <p:ph type="ctrTitle"/>
-          </p:nvPr>
-        </p:nvSpPr>
-        <p:spPr>
-          <a:xfrm>
-            <a:off x="1261872" y="758952"/>
-            <a:ext cx="9418320" cy="1044681"/>
-          </a:xfrm>
-        </p:spPr>
-        <p:txBody>
-          <a:bodyPr/>
-          <a:lstStyle/>
-          <a:p>
-            <a:r>
-              <a:rPr lang="de-DE" dirty="0"/>
-              <a:t>Project </a:t>
-            </a:r>
-            <a:r>
-              <a:rPr lang="de-DE" dirty="0" err="1"/>
-              <a:t>SimpleStudies</a:t>
-            </a:r>
-            <a:endParaRPr lang="de-DE" dirty="0"/>
-          </a:p>
-        </p:txBody>
-      </p:sp>
-      <p:sp>
-        <p:nvSpPr>
-          <p:cNvPr id="3" name="Untertitel 2">
-            <a:extLst>
-              <a:ext uri="{FF2B5EF4-FFF2-40B4-BE49-F238E27FC236}">
-                <a16:creationId xmlns:a16="http://schemas.microsoft.com/office/drawing/2014/main" id="{F9DA31C7-014A-A350-CF04-E7466ABFCC42}"/>
-              </a:ext>
-            </a:extLst>
-          </p:cNvPr>
-          <p:cNvSpPr>
-            <a:spLocks noGrp="1"/>
-          </p:cNvSpPr>
-          <p:nvPr>
-            <p:ph type="subTitle" idx="1"/>
-          </p:nvPr>
-        </p:nvSpPr>
-        <p:spPr>
-          <a:xfrm>
-            <a:off x="1261872" y="1912690"/>
-            <a:ext cx="9418320" cy="4579550"/>
-          </a:xfrm>
-        </p:spPr>
-        <p:txBody>
-          <a:bodyPr/>
-          <a:lstStyle/>
-          <a:p>
-            <a:pPr algn="ctr"/>
-            <a:r>
-              <a:rPr lang="de-DE" dirty="0"/>
-              <a:t>Hier werden Sie geholfen!</a:t>
-            </a:r>
-          </a:p>
-        </p:txBody>
-      </p:sp>
-    </p:spTree>
-    <p:extLst>
-      <p:ext uri="{BB962C8B-B14F-4D97-AF65-F5344CB8AC3E}">
-        <p14:creationId xmlns:p14="http://schemas.microsoft.com/office/powerpoint/2010/main" val="1272962638"/>
-      </p:ext>
-    </p:extLst>
-  </p:cSld>
-  <p:clrMapOvr>
-    <a:masterClrMapping/>
-  </p:clrMapOvr>
-</p:sld>
-</file>
-
-<file path=ppt/slides/slide21.xml><?xml version="1.0" encoding="utf-8"?>
-<p:sld xmlns:a="http://schemas.openxmlformats.org/drawingml/2006/main" xmlns:r="http://schemas.openxmlformats.org/officeDocument/2006/relationships" xmlns:p="http://schemas.openxmlformats.org/presentationml/2006/main">
-  <p:cSld>
-    <p:spTree>
-      <p:nvGrpSpPr>
-        <p:cNvPr id="1" name=""/>
-        <p:cNvGrpSpPr/>
-        <p:nvPr/>
-      </p:nvGrpSpPr>
-      <p:grpSpPr>
-        <a:xfrm>
-          <a:off x="0" y="0"/>
-          <a:ext cx="0" cy="0"/>
-          <a:chOff x="0" y="0"/>
-          <a:chExt cx="0" cy="0"/>
-        </a:xfrm>
-      </p:grpSpPr>
-      <p:sp>
-        <p:nvSpPr>
-          <p:cNvPr id="2" name="Titel 1">
-            <a:extLst>
-              <a:ext uri="{FF2B5EF4-FFF2-40B4-BE49-F238E27FC236}">
-                <a16:creationId xmlns:a16="http://schemas.microsoft.com/office/drawing/2014/main" id="{548E2CA1-900F-B870-4527-70B170D016C9}"/>
-              </a:ext>
-            </a:extLst>
-          </p:cNvPr>
-          <p:cNvSpPr>
-            <a:spLocks noGrp="1"/>
-          </p:cNvSpPr>
-          <p:nvPr>
-            <p:ph type="ctrTitle"/>
-          </p:nvPr>
-        </p:nvSpPr>
-        <p:spPr>
-          <a:xfrm>
-            <a:off x="1261872" y="758952"/>
-            <a:ext cx="9418320" cy="1044681"/>
-          </a:xfrm>
-        </p:spPr>
-        <p:txBody>
-          <a:bodyPr/>
-          <a:lstStyle/>
-          <a:p>
-            <a:r>
-              <a:rPr lang="de-DE" dirty="0"/>
-              <a:t>Project </a:t>
-            </a:r>
-            <a:r>
-              <a:rPr lang="de-DE" dirty="0" err="1"/>
-              <a:t>SimpleStudies</a:t>
-            </a:r>
-            <a:endParaRPr lang="de-DE" dirty="0"/>
-          </a:p>
-        </p:txBody>
-      </p:sp>
-      <p:sp>
-        <p:nvSpPr>
-          <p:cNvPr id="3" name="Untertitel 2">
-            <a:extLst>
-              <a:ext uri="{FF2B5EF4-FFF2-40B4-BE49-F238E27FC236}">
-                <a16:creationId xmlns:a16="http://schemas.microsoft.com/office/drawing/2014/main" id="{F9DA31C7-014A-A350-CF04-E7466ABFCC42}"/>
-              </a:ext>
-            </a:extLst>
-          </p:cNvPr>
-          <p:cNvSpPr>
-            <a:spLocks noGrp="1"/>
-          </p:cNvSpPr>
-          <p:nvPr>
-            <p:ph type="subTitle" idx="1"/>
-          </p:nvPr>
-        </p:nvSpPr>
-        <p:spPr>
-          <a:xfrm>
-            <a:off x="1261872" y="1912690"/>
-            <a:ext cx="9418320" cy="4579550"/>
-          </a:xfrm>
-        </p:spPr>
-        <p:txBody>
-          <a:bodyPr/>
-          <a:lstStyle/>
-          <a:p>
-            <a:pPr algn="ctr"/>
-            <a:r>
-              <a:rPr lang="de-DE" dirty="0"/>
-              <a:t>Hier werden Sie geholfen!</a:t>
-            </a:r>
-          </a:p>
-        </p:txBody>
-      </p:sp>
-    </p:spTree>
-    <p:extLst>
-      <p:ext uri="{BB962C8B-B14F-4D97-AF65-F5344CB8AC3E}">
-        <p14:creationId xmlns:p14="http://schemas.microsoft.com/office/powerpoint/2010/main" val="125626158"/>
-      </p:ext>
-    </p:extLst>
-  </p:cSld>
-  <p:clrMapOvr>
-    <a:masterClrMapping/>
-  </p:clrMapOvr>
-</p:sld>
-</file>
-
-<file path=ppt/slides/slide22.xml><?xml version="1.0" encoding="utf-8"?>
-<p:sld xmlns:a="http://schemas.openxmlformats.org/drawingml/2006/main" xmlns:r="http://schemas.openxmlformats.org/officeDocument/2006/relationships" xmlns:p="http://schemas.openxmlformats.org/presentationml/2006/main">
-  <p:cSld>
-    <p:spTree>
-      <p:nvGrpSpPr>
-        <p:cNvPr id="1" name=""/>
-        <p:cNvGrpSpPr/>
-        <p:nvPr/>
-      </p:nvGrpSpPr>
-      <p:grpSpPr>
-        <a:xfrm>
-          <a:off x="0" y="0"/>
-          <a:ext cx="0" cy="0"/>
-          <a:chOff x="0" y="0"/>
-          <a:chExt cx="0" cy="0"/>
-        </a:xfrm>
-      </p:grpSpPr>
-      <p:sp>
-        <p:nvSpPr>
-          <p:cNvPr id="2" name="Titel 1">
-            <a:extLst>
-              <a:ext uri="{FF2B5EF4-FFF2-40B4-BE49-F238E27FC236}">
-                <a16:creationId xmlns:a16="http://schemas.microsoft.com/office/drawing/2014/main" id="{548E2CA1-900F-B870-4527-70B170D016C9}"/>
-              </a:ext>
-            </a:extLst>
-          </p:cNvPr>
-          <p:cNvSpPr>
-            <a:spLocks noGrp="1"/>
-          </p:cNvSpPr>
-          <p:nvPr>
-            <p:ph type="ctrTitle"/>
-          </p:nvPr>
-        </p:nvSpPr>
-        <p:spPr>
-          <a:xfrm>
-            <a:off x="1261872" y="758952"/>
-            <a:ext cx="9418320" cy="1044681"/>
-          </a:xfrm>
-        </p:spPr>
-        <p:txBody>
-          <a:bodyPr/>
-          <a:lstStyle/>
-          <a:p>
-            <a:r>
-              <a:rPr lang="de-DE" dirty="0"/>
-              <a:t>Project </a:t>
-            </a:r>
-            <a:r>
-              <a:rPr lang="de-DE" dirty="0" err="1"/>
-              <a:t>SimpleStudies</a:t>
-            </a:r>
-            <a:endParaRPr lang="de-DE" dirty="0"/>
-          </a:p>
-        </p:txBody>
-      </p:sp>
-      <p:sp>
-        <p:nvSpPr>
-          <p:cNvPr id="3" name="Untertitel 2">
-            <a:extLst>
-              <a:ext uri="{FF2B5EF4-FFF2-40B4-BE49-F238E27FC236}">
-                <a16:creationId xmlns:a16="http://schemas.microsoft.com/office/drawing/2014/main" id="{F9DA31C7-014A-A350-CF04-E7466ABFCC42}"/>
-              </a:ext>
-            </a:extLst>
-          </p:cNvPr>
-          <p:cNvSpPr>
-            <a:spLocks noGrp="1"/>
-          </p:cNvSpPr>
-          <p:nvPr>
-            <p:ph type="subTitle" idx="1"/>
-          </p:nvPr>
-        </p:nvSpPr>
-        <p:spPr>
-          <a:xfrm>
-            <a:off x="1261872" y="1912690"/>
-            <a:ext cx="9418320" cy="4579550"/>
-          </a:xfrm>
-        </p:spPr>
-        <p:txBody>
-          <a:bodyPr/>
-          <a:lstStyle/>
-          <a:p>
-            <a:pPr algn="ctr"/>
-            <a:r>
-              <a:rPr lang="de-DE" dirty="0"/>
-              <a:t>Hier werden Sie geholfen!</a:t>
-            </a:r>
-          </a:p>
-        </p:txBody>
-      </p:sp>
-    </p:spTree>
-    <p:extLst>
-      <p:ext uri="{BB962C8B-B14F-4D97-AF65-F5344CB8AC3E}">
-        <p14:creationId xmlns:p14="http://schemas.microsoft.com/office/powerpoint/2010/main" val="1475263000"/>
-      </p:ext>
-    </p:extLst>
-  </p:cSld>
-  <p:clrMapOvr>
-    <a:masterClrMapping/>
-  </p:clrMapOvr>
-</p:sld>
-</file>
-
-<file path=ppt/slides/slide23.xml><?xml version="1.0" encoding="utf-8"?>
-<p:sld xmlns:a="http://schemas.openxmlformats.org/drawingml/2006/main" xmlns:r="http://schemas.openxmlformats.org/officeDocument/2006/relationships" xmlns:p="http://schemas.openxmlformats.org/presentationml/2006/main">
-  <p:cSld>
-    <p:spTree>
-      <p:nvGrpSpPr>
-        <p:cNvPr id="1" name=""/>
-        <p:cNvGrpSpPr/>
-        <p:nvPr/>
-      </p:nvGrpSpPr>
-      <p:grpSpPr>
-        <a:xfrm>
-          <a:off x="0" y="0"/>
-          <a:ext cx="0" cy="0"/>
-          <a:chOff x="0" y="0"/>
-          <a:chExt cx="0" cy="0"/>
-        </a:xfrm>
-      </p:grpSpPr>
-      <p:sp>
-        <p:nvSpPr>
-          <p:cNvPr id="2" name="Titel 1">
-            <a:extLst>
-              <a:ext uri="{FF2B5EF4-FFF2-40B4-BE49-F238E27FC236}">
-                <a16:creationId xmlns:a16="http://schemas.microsoft.com/office/drawing/2014/main" id="{548E2CA1-900F-B870-4527-70B170D016C9}"/>
-              </a:ext>
-            </a:extLst>
-          </p:cNvPr>
-          <p:cNvSpPr>
-            <a:spLocks noGrp="1"/>
-          </p:cNvSpPr>
-          <p:nvPr>
-            <p:ph type="ctrTitle"/>
-          </p:nvPr>
-        </p:nvSpPr>
-        <p:spPr>
-          <a:xfrm>
-            <a:off x="1261872" y="758952"/>
-            <a:ext cx="9418320" cy="1044681"/>
-          </a:xfrm>
-        </p:spPr>
-        <p:txBody>
-          <a:bodyPr/>
-          <a:lstStyle/>
-          <a:p>
-            <a:r>
-              <a:rPr lang="de-DE" dirty="0"/>
-              <a:t>Project </a:t>
-            </a:r>
-            <a:r>
-              <a:rPr lang="de-DE" dirty="0" err="1"/>
-              <a:t>SimpleStudies</a:t>
-            </a:r>
-            <a:endParaRPr lang="de-DE" dirty="0"/>
-          </a:p>
-        </p:txBody>
-      </p:sp>
-      <p:sp>
-        <p:nvSpPr>
-          <p:cNvPr id="3" name="Untertitel 2">
-            <a:extLst>
-              <a:ext uri="{FF2B5EF4-FFF2-40B4-BE49-F238E27FC236}">
-                <a16:creationId xmlns:a16="http://schemas.microsoft.com/office/drawing/2014/main" id="{F9DA31C7-014A-A350-CF04-E7466ABFCC42}"/>
-              </a:ext>
-            </a:extLst>
-          </p:cNvPr>
-          <p:cNvSpPr>
-            <a:spLocks noGrp="1"/>
-          </p:cNvSpPr>
-          <p:nvPr>
-            <p:ph type="subTitle" idx="1"/>
-          </p:nvPr>
-        </p:nvSpPr>
-        <p:spPr>
-          <a:xfrm>
-            <a:off x="1261872" y="1912690"/>
-            <a:ext cx="9418320" cy="4579550"/>
-          </a:xfrm>
-        </p:spPr>
-        <p:txBody>
-          <a:bodyPr/>
-          <a:lstStyle/>
-          <a:p>
-            <a:pPr algn="ctr"/>
-            <a:r>
-              <a:rPr lang="de-DE" dirty="0"/>
-              <a:t>Hier werden Sie geholfen!</a:t>
-            </a:r>
-          </a:p>
-        </p:txBody>
-      </p:sp>
-    </p:spTree>
-    <p:extLst>
-      <p:ext uri="{BB962C8B-B14F-4D97-AF65-F5344CB8AC3E}">
-        <p14:creationId xmlns:p14="http://schemas.microsoft.com/office/powerpoint/2010/main" val="1133234488"/>
-      </p:ext>
-    </p:extLst>
-  </p:cSld>
-  <p:clrMapOvr>
-    <a:masterClrMapping/>
-  </p:clrMapOvr>
-</p:sld>
-</file>
-
-<file path=ppt/slides/slide24.xml><?xml version="1.0" encoding="utf-8"?>
-<p:sld xmlns:a="http://schemas.openxmlformats.org/drawingml/2006/main" xmlns:r="http://schemas.openxmlformats.org/officeDocument/2006/relationships" xmlns:p="http://schemas.openxmlformats.org/presentationml/2006/main">
-  <p:cSld>
-    <p:spTree>
-      <p:nvGrpSpPr>
-        <p:cNvPr id="1" name=""/>
-        <p:cNvGrpSpPr/>
-        <p:nvPr/>
-      </p:nvGrpSpPr>
-      <p:grpSpPr>
-        <a:xfrm>
-          <a:off x="0" y="0"/>
-          <a:ext cx="0" cy="0"/>
-          <a:chOff x="0" y="0"/>
-          <a:chExt cx="0" cy="0"/>
-        </a:xfrm>
-      </p:grpSpPr>
-      <p:sp>
-        <p:nvSpPr>
-          <p:cNvPr id="2" name="Titel 1">
-            <a:extLst>
-              <a:ext uri="{FF2B5EF4-FFF2-40B4-BE49-F238E27FC236}">
-                <a16:creationId xmlns:a16="http://schemas.microsoft.com/office/drawing/2014/main" id="{548E2CA1-900F-B870-4527-70B170D016C9}"/>
-              </a:ext>
-            </a:extLst>
-          </p:cNvPr>
-          <p:cNvSpPr>
-            <a:spLocks noGrp="1"/>
-          </p:cNvSpPr>
-          <p:nvPr>
-            <p:ph type="ctrTitle"/>
-          </p:nvPr>
-        </p:nvSpPr>
-        <p:spPr>
-          <a:xfrm>
-            <a:off x="1261872" y="758952"/>
-            <a:ext cx="9418320" cy="1044681"/>
-          </a:xfrm>
-        </p:spPr>
-        <p:txBody>
-          <a:bodyPr/>
-          <a:lstStyle/>
-          <a:p>
-            <a:r>
-              <a:rPr lang="de-DE" dirty="0"/>
-              <a:t>Project </a:t>
-            </a:r>
-            <a:r>
-              <a:rPr lang="de-DE" dirty="0" err="1"/>
-              <a:t>SimpleStudies</a:t>
-            </a:r>
-            <a:endParaRPr lang="de-DE" dirty="0"/>
-          </a:p>
-        </p:txBody>
-      </p:sp>
-      <p:sp>
-        <p:nvSpPr>
-          <p:cNvPr id="3" name="Untertitel 2">
-            <a:extLst>
-              <a:ext uri="{FF2B5EF4-FFF2-40B4-BE49-F238E27FC236}">
-                <a16:creationId xmlns:a16="http://schemas.microsoft.com/office/drawing/2014/main" id="{F9DA31C7-014A-A350-CF04-E7466ABFCC42}"/>
-              </a:ext>
-            </a:extLst>
-          </p:cNvPr>
-          <p:cNvSpPr>
-            <a:spLocks noGrp="1"/>
-          </p:cNvSpPr>
-          <p:nvPr>
-            <p:ph type="subTitle" idx="1"/>
-          </p:nvPr>
-        </p:nvSpPr>
-        <p:spPr>
-          <a:xfrm>
-            <a:off x="1261872" y="1912690"/>
-            <a:ext cx="9418320" cy="4579550"/>
-          </a:xfrm>
-        </p:spPr>
-        <p:txBody>
-          <a:bodyPr/>
-          <a:lstStyle/>
-          <a:p>
-            <a:pPr algn="ctr"/>
-            <a:r>
-              <a:rPr lang="de-DE" dirty="0"/>
-              <a:t>Hier werden Sie geholfen!</a:t>
-            </a:r>
-          </a:p>
-        </p:txBody>
-      </p:sp>
-    </p:spTree>
-    <p:extLst>
-      <p:ext uri="{BB962C8B-B14F-4D97-AF65-F5344CB8AC3E}">
-        <p14:creationId xmlns:p14="http://schemas.microsoft.com/office/powerpoint/2010/main" val="2468730282"/>
-      </p:ext>
-    </p:extLst>
-  </p:cSld>
-  <p:clrMapOvr>
-    <a:masterClrMapping/>
-  </p:clrMapOvr>
-</p:sld>
-</file>
-
 <file path=ppt/slides/slide3.xml><?xml version="1.0" encoding="utf-8"?>
 <p:sld xmlns:a="http://schemas.openxmlformats.org/drawingml/2006/main" xmlns:r="http://schemas.openxmlformats.org/officeDocument/2006/relationships" xmlns:p="http://schemas.openxmlformats.org/presentationml/2006/main">
   <p:cSld>
@@ -5308,6 +5418,11 @@
             </a:pPr>
             <a:r>
               <a:rPr lang="de-DE" sz="2400" dirty="0">
+                <a:solidFill>
+                  <a:schemeClr val="tx1">
+                    <a:lumMod val="75000"/>
+                  </a:schemeClr>
+                </a:solidFill>
                 <a:latin typeface="Calibri" panose="020F0502020204030204" pitchFamily="34" charset="0"/>
                 <a:cs typeface="Calibri" panose="020F0502020204030204" pitchFamily="34" charset="0"/>
               </a:rPr>
@@ -5324,6 +5439,11 @@
             </a:pPr>
             <a:r>
               <a:rPr lang="de-DE" sz="2400" dirty="0">
+                <a:solidFill>
+                  <a:schemeClr val="tx1">
+                    <a:lumMod val="75000"/>
+                  </a:schemeClr>
+                </a:solidFill>
                 <a:latin typeface="Calibri" panose="020F0502020204030204" pitchFamily="34" charset="0"/>
                 <a:cs typeface="Calibri" panose="020F0502020204030204" pitchFamily="34" charset="0"/>
               </a:rPr>
@@ -5340,6 +5460,11 @@
             </a:pPr>
             <a:r>
               <a:rPr lang="de-DE" sz="2400" dirty="0">
+                <a:solidFill>
+                  <a:schemeClr val="tx1">
+                    <a:lumMod val="75000"/>
+                  </a:schemeClr>
+                </a:solidFill>
                 <a:latin typeface="Calibri" panose="020F0502020204030204" pitchFamily="34" charset="0"/>
                 <a:cs typeface="Calibri" panose="020F0502020204030204" pitchFamily="34" charset="0"/>
               </a:rPr>
@@ -5356,6 +5481,11 @@
             </a:pPr>
             <a:r>
               <a:rPr lang="de-DE" sz="2400" dirty="0">
+                <a:solidFill>
+                  <a:schemeClr val="tx1">
+                    <a:lumMod val="75000"/>
+                  </a:schemeClr>
+                </a:solidFill>
                 <a:latin typeface="Calibri" panose="020F0502020204030204" pitchFamily="34" charset="0"/>
                 <a:cs typeface="Calibri" panose="020F0502020204030204" pitchFamily="34" charset="0"/>
               </a:rPr>
@@ -5372,6 +5502,11 @@
             </a:pPr>
             <a:r>
               <a:rPr lang="de-DE" sz="2400" dirty="0">
+                <a:solidFill>
+                  <a:schemeClr val="tx1">
+                    <a:lumMod val="75000"/>
+                  </a:schemeClr>
+                </a:solidFill>
                 <a:latin typeface="Calibri" panose="020F0502020204030204" pitchFamily="34" charset="0"/>
                 <a:cs typeface="Calibri" panose="020F0502020204030204" pitchFamily="34" charset="0"/>
               </a:rPr>
@@ -5388,6 +5523,11 @@
             </a:pPr>
             <a:r>
               <a:rPr lang="de-DE" sz="2400" dirty="0">
+                <a:solidFill>
+                  <a:schemeClr val="tx1">
+                    <a:lumMod val="75000"/>
+                  </a:schemeClr>
+                </a:solidFill>
                 <a:latin typeface="Calibri" panose="020F0502020204030204" pitchFamily="34" charset="0"/>
                 <a:cs typeface="Calibri" panose="020F0502020204030204" pitchFamily="34" charset="0"/>
               </a:rPr>
@@ -5402,6 +5542,11 @@
             </a:pPr>
             <a:r>
               <a:rPr lang="de-DE" sz="2400" dirty="0">
+                <a:solidFill>
+                  <a:schemeClr val="tx1">
+                    <a:lumMod val="75000"/>
+                  </a:schemeClr>
+                </a:solidFill>
                 <a:latin typeface="Calibri" panose="020F0502020204030204" pitchFamily="34" charset="0"/>
                 <a:cs typeface="Calibri" panose="020F0502020204030204" pitchFamily="34" charset="0"/>
               </a:rPr>
@@ -5799,801 +5944,166 @@
           </a:p>
         </p:txBody>
       </p:sp>
-      <p:graphicFrame>
-        <p:nvGraphicFramePr>
-          <p:cNvPr id="7" name="Tabelle 6">
+      <p:sp>
+        <p:nvSpPr>
+          <p:cNvPr id="15" name="Textfeld 14">
             <a:extLst>
               <a:ext uri="{FF2B5EF4-FFF2-40B4-BE49-F238E27FC236}">
-                <a16:creationId xmlns:a16="http://schemas.microsoft.com/office/drawing/2014/main" id="{93C142E2-135D-6DCD-0BCA-7073DDA4E436}"/>
+                <a16:creationId xmlns:a16="http://schemas.microsoft.com/office/drawing/2014/main" id="{95D1A955-0336-D3AE-EC29-075407E6C3ED}"/>
               </a:ext>
             </a:extLst>
           </p:cNvPr>
-          <p:cNvGraphicFramePr>
-            <a:graphicFrameLocks noGrp="1"/>
-          </p:cNvGraphicFramePr>
-          <p:nvPr>
-            <p:extLst>
-              <p:ext uri="{D42A27DB-BD31-4B8C-83A1-F6EECF244321}">
-                <p14:modId xmlns:p14="http://schemas.microsoft.com/office/powerpoint/2010/main" val="3960670567"/>
-              </p:ext>
-            </p:extLst>
-          </p:nvPr>
-        </p:nvGraphicFramePr>
-        <p:xfrm>
-          <a:off x="1166814" y="1743075"/>
-          <a:ext cx="8594724" cy="1044681"/>
-        </p:xfrm>
-        <a:graphic>
-          <a:graphicData uri="http://schemas.openxmlformats.org/drawingml/2006/table">
-            <a:tbl>
-              <a:tblPr>
-                <a:tableStyleId>{5C22544A-7EE6-4342-B048-85BDC9FD1C3A}</a:tableStyleId>
-              </a:tblPr>
-              <a:tblGrid>
-                <a:gridCol w="8594724">
-                  <a:extLst>
-                    <a:ext uri="{9D8B030D-6E8A-4147-A177-3AD203B41FA5}">
-                      <a16:colId xmlns:a16="http://schemas.microsoft.com/office/drawing/2014/main" val="1788703275"/>
-                    </a:ext>
-                  </a:extLst>
-                </a:gridCol>
-              </a:tblGrid>
-              <a:tr h="1044681">
-                <a:tc>
-                  <a:txBody>
-                    <a:bodyPr/>
-                    <a:lstStyle/>
-                    <a:p>
-                      <a:pPr marL="4445" algn="just"/>
-                      <a:r>
-                        <a:rPr lang="de-DE" sz="1800" dirty="0">
-                          <a:effectLst/>
-                        </a:rPr>
-                        <a:t>Rahmenbedingungen </a:t>
-                      </a:r>
-                      <a:endParaRPr lang="de-DE" sz="1200" dirty="0">
-                        <a:effectLst/>
-                      </a:endParaRPr>
-                    </a:p>
-                    <a:p>
-                      <a:pPr marL="342900" marR="31750" lvl="0" indent="-342900" algn="just" fontAlgn="base">
-                        <a:lnSpc>
-                          <a:spcPct val="105000"/>
-                        </a:lnSpc>
-                        <a:spcAft>
-                          <a:spcPts val="380"/>
-                        </a:spcAft>
-                        <a:buClr>
-                          <a:srgbClr val="D6D5D5"/>
-                        </a:buClr>
-                        <a:buSzPts val="1000"/>
-                        <a:buFont typeface="Calibri" panose="020F0502020204030204" pitchFamily="34" charset="0"/>
-                        <a:buChar char="•"/>
-                      </a:pPr>
-                      <a:r>
-                        <a:rPr lang="de-DE" sz="1200" u="none" strike="noStrike" dirty="0">
-                          <a:effectLst/>
-                          <a:uFill>
-                            <a:solidFill>
-                              <a:srgbClr val="000000"/>
-                            </a:solidFill>
-                          </a:uFill>
-                        </a:rPr>
-                        <a:t>Abgabe der Planung ist bis zum 18.04.2022 </a:t>
-                      </a:r>
-                    </a:p>
-                    <a:p>
-                      <a:pPr marL="342900" marR="31750" lvl="0" indent="-342900" algn="just" fontAlgn="base">
-                        <a:spcAft>
-                          <a:spcPts val="380"/>
-                        </a:spcAft>
-                        <a:buClr>
-                          <a:srgbClr val="D6D5D5"/>
-                        </a:buClr>
-                        <a:buSzPts val="1000"/>
-                        <a:buFont typeface="Calibri" panose="020F0502020204030204" pitchFamily="34" charset="0"/>
-                        <a:buChar char="•"/>
-                      </a:pPr>
-                      <a:r>
-                        <a:rPr lang="de-DE" sz="1200" u="none" strike="noStrike" dirty="0">
-                          <a:effectLst/>
-                          <a:uFill>
-                            <a:solidFill>
-                              <a:srgbClr val="000000"/>
-                            </a:solidFill>
-                          </a:uFill>
-                        </a:rPr>
-                        <a:t>Das Projekt muss bis zum 12.06.2022 fertiggestellt werden</a:t>
-                      </a:r>
-                      <a:endParaRPr lang="de-DE" sz="1200" u="none" strike="noStrike" dirty="0">
-                        <a:effectLst/>
-                        <a:uFill>
-                          <a:solidFill>
-                            <a:srgbClr val="000000"/>
-                          </a:solidFill>
-                        </a:uFill>
-                        <a:latin typeface="Calibri" panose="020F0502020204030204" pitchFamily="34" charset="0"/>
-                        <a:ea typeface="Calibri" panose="020F0502020204030204" pitchFamily="34" charset="0"/>
-                        <a:cs typeface="Calibri" panose="020F0502020204030204" pitchFamily="34" charset="0"/>
-                      </a:endParaRPr>
-                    </a:p>
-                  </a:txBody>
-                  <a:tcPr marL="89535" marR="89535" marT="0" marB="0"/>
-                </a:tc>
-                <a:extLst>
-                  <a:ext uri="{0D108BD9-81ED-4DB2-BD59-A6C34878D82A}">
-                    <a16:rowId xmlns:a16="http://schemas.microsoft.com/office/drawing/2014/main" val="2687128190"/>
-                  </a:ext>
-                </a:extLst>
-              </a:tr>
-            </a:tbl>
-          </a:graphicData>
-        </a:graphic>
-      </p:graphicFrame>
-      <p:sp>
-        <p:nvSpPr>
-          <p:cNvPr id="8" name="Rectangle 2">
-            <a:extLst>
-              <a:ext uri="{FF2B5EF4-FFF2-40B4-BE49-F238E27FC236}">
-                <a16:creationId xmlns:a16="http://schemas.microsoft.com/office/drawing/2014/main" id="{8D025EEF-0A3D-D7DD-91E1-B8F377A0B3FD}"/>
-              </a:ext>
-            </a:extLst>
-          </p:cNvPr>
-          <p:cNvSpPr>
-            <a:spLocks noGrp="1" noChangeArrowheads="1"/>
-          </p:cNvSpPr>
-          <p:nvPr>
-            <p:ph type="subTitle" idx="1"/>
-          </p:nvPr>
-        </p:nvSpPr>
-        <p:spPr bwMode="auto">
+          <p:cNvSpPr txBox="1"/>
+          <p:nvPr/>
+        </p:nvSpPr>
+        <p:spPr>
           <a:xfrm>
-            <a:off x="1525586" y="2427631"/>
-            <a:ext cx="9499600" cy="276999"/>
+            <a:off x="810503" y="1803633"/>
+            <a:ext cx="10570994" cy="4893647"/>
           </a:xfrm>
           <a:prstGeom prst="rect">
             <a:avLst/>
           </a:prstGeom>
           <a:noFill/>
-          <a:ln>
-            <a:noFill/>
-          </a:ln>
-          <a:effectLst/>
-          <a:extLst>
-            <a:ext uri="{909E8E84-426E-40DD-AFC4-6F175D3DCCD1}">
-              <a14:hiddenFill xmlns:a14="http://schemas.microsoft.com/office/drawing/2010/main">
-                <a:solidFill>
-                  <a:schemeClr val="accent1"/>
-                </a:solidFill>
-              </a14:hiddenFill>
-            </a:ext>
-            <a:ext uri="{91240B29-F687-4F45-9708-019B960494DF}">
-              <a14:hiddenLine xmlns:a14="http://schemas.microsoft.com/office/drawing/2010/main" w="9525">
-                <a:solidFill>
-                  <a:schemeClr val="tx1"/>
-                </a:solidFill>
-                <a:miter lim="800000"/>
-                <a:headEnd/>
-                <a:tailEnd/>
-              </a14:hiddenLine>
-            </a:ext>
-            <a:ext uri="{AF507438-7753-43E0-B8FC-AC1667EBCBE1}">
-              <a14:hiddenEffects xmlns:a14="http://schemas.microsoft.com/office/drawing/2010/main">
-                <a:effectLst>
-                  <a:outerShdw dist="35921" dir="2700000" algn="ctr" rotWithShape="0">
-                    <a:schemeClr val="bg2"/>
-                  </a:outerShdw>
-                </a:effectLst>
-              </a14:hiddenEffects>
-            </a:ext>
-          </a:extLst>
         </p:spPr>
         <p:txBody>
-          <a:bodyPr vert="horz" wrap="square" lIns="91440" tIns="45720" rIns="91440" bIns="45720" numCol="1" anchor="ctr" anchorCtr="0" compatLnSpc="1">
-            <a:prstTxWarp prst="textNoShape">
-              <a:avLst/>
-            </a:prstTxWarp>
+          <a:bodyPr wrap="square" rtlCol="0">
             <a:spAutoFit/>
           </a:bodyPr>
           <a:lstStyle/>
           <a:p>
-            <a:pPr marL="0" marR="0" lvl="0" indent="0" algn="l" defTabSz="914400" rtl="0" eaLnBrk="0" fontAlgn="base" latinLnBrk="0" hangingPunct="0">
-              <a:lnSpc>
-                <a:spcPct val="100000"/>
-              </a:lnSpc>
-              <a:spcBef>
-                <a:spcPct val="0"/>
-              </a:spcBef>
-              <a:spcAft>
-                <a:spcPct val="0"/>
-              </a:spcAft>
-              <a:buClrTx/>
-              <a:buSzTx/>
-              <a:buFontTx/>
-              <a:buNone/>
-              <a:tabLst/>
-            </a:pPr>
-            <a:r>
-              <a:rPr kumimoji="0" lang="de-DE" altLang="de-DE" sz="1200" b="0" i="0" u="none" strike="noStrike" cap="none" normalizeH="0" baseline="0" dirty="0">
-                <a:ln>
-                  <a:noFill/>
-                </a:ln>
+            <a:pPr algn="ctr"/>
+            <a:endParaRPr lang="de-DE" sz="2800" dirty="0"/>
+          </a:p>
+          <a:p>
+            <a:pPr algn="ctr"/>
+            <a:r>
+              <a:rPr lang="de-DE" sz="2800" dirty="0"/>
+              <a:t>Kunden/User</a:t>
+            </a:r>
+          </a:p>
+          <a:p>
+            <a:pPr marL="571500" indent="-571500">
+              <a:buFont typeface="Arial" panose="020B0604020202020204" pitchFamily="34" charset="0"/>
+              <a:buChar char="•"/>
+            </a:pPr>
+            <a:r>
+              <a:rPr lang="de-DE" sz="2400" dirty="0">
                 <a:solidFill>
-                  <a:schemeClr val="bg1"/>
+                  <a:schemeClr val="tx1">
+                    <a:lumMod val="75000"/>
+                  </a:schemeClr>
                 </a:solidFill>
-                <a:effectLst/>
-                <a:latin typeface="Century Schoolbook (Textkörper)"/>
-                <a:ea typeface="Calibri" panose="020F0502020204030204" pitchFamily="34" charset="0"/>
               </a:rPr>
-              <a:t>Die Präsentation erfolgt am 14.06.2022</a:t>
-            </a:r>
-            <a:r>
-              <a:rPr kumimoji="0" lang="de-DE" altLang="de-DE" sz="800" b="0" i="0" u="none" strike="noStrike" cap="none" normalizeH="0" baseline="0" dirty="0">
-                <a:ln>
-                  <a:noFill/>
-                </a:ln>
+              <a:t>Unsere primäre Zielgruppe sind Studenten</a:t>
+            </a:r>
+          </a:p>
+          <a:p>
+            <a:pPr marL="571500" indent="-571500">
+              <a:buFont typeface="Arial" panose="020B0604020202020204" pitchFamily="34" charset="0"/>
+              <a:buChar char="•"/>
+            </a:pPr>
+            <a:r>
+              <a:rPr lang="de-DE" sz="2400" dirty="0">
                 <a:solidFill>
-                  <a:schemeClr val="bg1"/>
+                  <a:schemeClr val="tx1">
+                    <a:lumMod val="75000"/>
+                  </a:schemeClr>
                 </a:solidFill>
-                <a:effectLst/>
-                <a:latin typeface="Century Schoolbook (Textkörper)"/>
               </a:rPr>
-              <a:t> </a:t>
-            </a:r>
-            <a:endParaRPr kumimoji="0" lang="de-DE" altLang="de-DE" sz="1800" b="0" i="0" u="none" strike="noStrike" cap="none" normalizeH="0" baseline="0" dirty="0">
-              <a:ln>
-                <a:noFill/>
-              </a:ln>
-              <a:solidFill>
-                <a:schemeClr val="bg1"/>
-              </a:solidFill>
-              <a:effectLst/>
-              <a:latin typeface="Century Schoolbook (Textkörper)"/>
-            </a:endParaRPr>
-          </a:p>
-        </p:txBody>
-      </p:sp>
-      <p:graphicFrame>
-        <p:nvGraphicFramePr>
-          <p:cNvPr id="9" name="Tabelle 8">
-            <a:extLst>
-              <a:ext uri="{FF2B5EF4-FFF2-40B4-BE49-F238E27FC236}">
-                <a16:creationId xmlns:a16="http://schemas.microsoft.com/office/drawing/2014/main" id="{BF3BD7C6-B1AE-6955-F28D-FA0A046F670A}"/>
-              </a:ext>
-            </a:extLst>
-          </p:cNvPr>
-          <p:cNvGraphicFramePr>
-            <a:graphicFrameLocks noGrp="1"/>
-          </p:cNvGraphicFramePr>
-          <p:nvPr>
-            <p:extLst>
-              <p:ext uri="{D42A27DB-BD31-4B8C-83A1-F6EECF244321}">
-                <p14:modId xmlns:p14="http://schemas.microsoft.com/office/powerpoint/2010/main" val="563127433"/>
-              </p:ext>
-            </p:extLst>
-          </p:nvPr>
-        </p:nvGraphicFramePr>
-        <p:xfrm>
-          <a:off x="1166812" y="2835336"/>
-          <a:ext cx="8594725" cy="1336135"/>
-        </p:xfrm>
-        <a:graphic>
-          <a:graphicData uri="http://schemas.openxmlformats.org/drawingml/2006/table">
-            <a:tbl>
-              <a:tblPr firstRow="1" firstCol="1" bandRow="1">
-                <a:tableStyleId>{5C22544A-7EE6-4342-B048-85BDC9FD1C3A}</a:tableStyleId>
-              </a:tblPr>
-              <a:tblGrid>
-                <a:gridCol w="8594725">
-                  <a:extLst>
-                    <a:ext uri="{9D8B030D-6E8A-4147-A177-3AD203B41FA5}">
-                      <a16:colId xmlns:a16="http://schemas.microsoft.com/office/drawing/2014/main" val="19282793"/>
-                    </a:ext>
-                  </a:extLst>
-                </a:gridCol>
-              </a:tblGrid>
-              <a:tr h="1336135">
-                <a:tc>
-                  <a:txBody>
-                    <a:bodyPr/>
-                    <a:lstStyle/>
-                    <a:p>
-                      <a:pPr marL="3175" indent="0" algn="just"/>
-                      <a:r>
-                        <a:rPr lang="de-DE" sz="1800" b="0" dirty="0">
-                          <a:solidFill>
-                            <a:schemeClr val="bg1"/>
-                          </a:solidFill>
-                          <a:effectLst/>
-                        </a:rPr>
-                        <a:t>Kunden /User </a:t>
-                      </a:r>
-                      <a:endParaRPr lang="de-DE" sz="1200" b="0" dirty="0">
-                        <a:solidFill>
-                          <a:schemeClr val="bg1"/>
-                        </a:solidFill>
-                        <a:effectLst/>
-                      </a:endParaRPr>
-                    </a:p>
-                    <a:p>
-                      <a:pPr marL="342900" lvl="0" indent="-342900" algn="just" fontAlgn="base">
-                        <a:spcAft>
-                          <a:spcPts val="380"/>
-                        </a:spcAft>
-                        <a:buClr>
-                          <a:srgbClr val="D6D5D5"/>
-                        </a:buClr>
-                        <a:buSzPts val="1000"/>
-                        <a:buFont typeface="Calibri" panose="020F0502020204030204" pitchFamily="34" charset="0"/>
-                        <a:buChar char="•"/>
-                      </a:pPr>
-                      <a:r>
-                        <a:rPr lang="de-DE" sz="1200" b="0" u="none" strike="noStrike" dirty="0">
-                          <a:solidFill>
-                            <a:schemeClr val="bg1"/>
-                          </a:solidFill>
-                          <a:effectLst/>
-                          <a:uFill>
-                            <a:solidFill>
-                              <a:srgbClr val="000000"/>
-                            </a:solidFill>
-                          </a:uFill>
-                        </a:rPr>
-                        <a:t>Unsere primäre Zielgruppe sind Studenten  </a:t>
-                      </a:r>
-                    </a:p>
-                    <a:p>
-                      <a:pPr marL="342900" lvl="0" indent="-342900" algn="just" fontAlgn="base">
-                        <a:spcAft>
-                          <a:spcPts val="380"/>
-                        </a:spcAft>
-                        <a:buClr>
-                          <a:srgbClr val="D6D5D5"/>
-                        </a:buClr>
-                        <a:buSzPts val="1000"/>
-                        <a:buFont typeface="Calibri" panose="020F0502020204030204" pitchFamily="34" charset="0"/>
-                        <a:buChar char="•"/>
-                      </a:pPr>
-                      <a:r>
-                        <a:rPr lang="de-DE" sz="1200" b="0" u="none" strike="noStrike" dirty="0">
-                          <a:solidFill>
-                            <a:schemeClr val="bg1"/>
-                          </a:solidFill>
-                          <a:effectLst/>
-                          <a:uFill>
-                            <a:solidFill>
-                              <a:srgbClr val="000000"/>
-                            </a:solidFill>
-                          </a:uFill>
-                        </a:rPr>
-                        <a:t>Unsere sekundäre Zielgruppe sind die Lehrkräfte  </a:t>
-                      </a:r>
-                    </a:p>
-                    <a:p>
-                      <a:pPr marL="342900" lvl="0" indent="-342900" algn="just" fontAlgn="base">
-                        <a:lnSpc>
-                          <a:spcPct val="105000"/>
-                        </a:lnSpc>
-                        <a:spcAft>
-                          <a:spcPts val="400"/>
-                        </a:spcAft>
-                        <a:buClr>
-                          <a:srgbClr val="D6D5D5"/>
-                        </a:buClr>
-                        <a:buSzPts val="1000"/>
-                        <a:buFont typeface="Calibri" panose="020F0502020204030204" pitchFamily="34" charset="0"/>
-                        <a:buChar char="•"/>
-                      </a:pPr>
-                      <a:r>
-                        <a:rPr lang="de-DE" sz="1200" b="0" u="none" strike="noStrike" dirty="0">
-                          <a:solidFill>
-                            <a:schemeClr val="bg1"/>
-                          </a:solidFill>
-                          <a:effectLst/>
-                          <a:uFill>
-                            <a:solidFill>
-                              <a:srgbClr val="000000"/>
-                            </a:solidFill>
-                          </a:uFill>
-                        </a:rPr>
-                        <a:t>Wir selbst als Ersteller des Projektes sind typische Stellvertreter dieser Zielgruppe</a:t>
-                      </a:r>
-                    </a:p>
-                  </a:txBody>
-                  <a:tcPr marL="250825" marR="73025" marT="216535" marB="0">
-                    <a:solidFill>
-                      <a:schemeClr val="tx1">
-                        <a:lumMod val="95000"/>
-                      </a:schemeClr>
-                    </a:solidFill>
-                  </a:tcPr>
-                </a:tc>
-                <a:extLst>
-                  <a:ext uri="{0D108BD9-81ED-4DB2-BD59-A6C34878D82A}">
-                    <a16:rowId xmlns:a16="http://schemas.microsoft.com/office/drawing/2014/main" val="2626865447"/>
-                  </a:ext>
-                </a:extLst>
-              </a:tr>
-            </a:tbl>
-          </a:graphicData>
-        </a:graphic>
-      </p:graphicFrame>
-      <p:graphicFrame>
-        <p:nvGraphicFramePr>
-          <p:cNvPr id="10" name="Tabelle 9">
-            <a:extLst>
-              <a:ext uri="{FF2B5EF4-FFF2-40B4-BE49-F238E27FC236}">
-                <a16:creationId xmlns:a16="http://schemas.microsoft.com/office/drawing/2014/main" id="{C4D5C314-3669-E692-8A66-823BA8E2E660}"/>
-              </a:ext>
-            </a:extLst>
-          </p:cNvPr>
-          <p:cNvGraphicFramePr>
-            <a:graphicFrameLocks noGrp="1"/>
-          </p:cNvGraphicFramePr>
-          <p:nvPr>
-            <p:extLst>
-              <p:ext uri="{D42A27DB-BD31-4B8C-83A1-F6EECF244321}">
-                <p14:modId xmlns:p14="http://schemas.microsoft.com/office/powerpoint/2010/main" val="2375456714"/>
-              </p:ext>
-            </p:extLst>
-          </p:nvPr>
-        </p:nvGraphicFramePr>
-        <p:xfrm>
-          <a:off x="1166811" y="4219051"/>
-          <a:ext cx="8594725" cy="1209040"/>
-        </p:xfrm>
-        <a:graphic>
-          <a:graphicData uri="http://schemas.openxmlformats.org/drawingml/2006/table">
-            <a:tbl>
-              <a:tblPr>
-                <a:tableStyleId>{5C22544A-7EE6-4342-B048-85BDC9FD1C3A}</a:tableStyleId>
-              </a:tblPr>
-              <a:tblGrid>
-                <a:gridCol w="8594725">
-                  <a:extLst>
-                    <a:ext uri="{9D8B030D-6E8A-4147-A177-3AD203B41FA5}">
-                      <a16:colId xmlns:a16="http://schemas.microsoft.com/office/drawing/2014/main" val="752159594"/>
-                    </a:ext>
-                  </a:extLst>
-                </a:gridCol>
-              </a:tblGrid>
-              <a:tr h="1177123">
-                <a:tc>
-                  <a:txBody>
-                    <a:bodyPr/>
-                    <a:lstStyle/>
-                    <a:p>
-                      <a:pPr algn="just"/>
-                      <a:r>
-                        <a:rPr lang="de-DE" sz="1800" dirty="0">
-                          <a:effectLst/>
-                        </a:rPr>
-                        <a:t>Hypothesen </a:t>
-                      </a:r>
-                      <a:endParaRPr lang="de-DE" sz="1200" dirty="0">
-                        <a:effectLst/>
-                      </a:endParaRPr>
-                    </a:p>
-                    <a:p>
-                      <a:pPr algn="just"/>
-                      <a:r>
-                        <a:rPr lang="de-DE" sz="1400" dirty="0">
-                          <a:effectLst/>
-                        </a:rPr>
-                        <a:t>Probleme / Chancen</a:t>
-                      </a:r>
-                      <a:r>
-                        <a:rPr lang="de-DE" sz="2200" dirty="0">
-                          <a:effectLst/>
-                        </a:rPr>
-                        <a:t> </a:t>
-                      </a:r>
-                      <a:endParaRPr lang="de-DE" sz="1200" dirty="0">
-                        <a:effectLst/>
-                      </a:endParaRPr>
-                    </a:p>
-                    <a:p>
-                      <a:pPr marL="342900" lvl="0" indent="-342900" algn="just" fontAlgn="base">
-                        <a:spcAft>
-                          <a:spcPts val="380"/>
-                        </a:spcAft>
-                        <a:buClr>
-                          <a:srgbClr val="D6D5D5"/>
-                        </a:buClr>
-                        <a:buSzPts val="1000"/>
-                        <a:buFont typeface="Calibri" panose="020F0502020204030204" pitchFamily="34" charset="0"/>
-                        <a:buChar char="•"/>
-                      </a:pPr>
-                      <a:r>
-                        <a:rPr lang="de-DE" sz="1200" u="none" strike="noStrike" dirty="0">
-                          <a:effectLst/>
-                          <a:uFill>
-                            <a:solidFill>
-                              <a:srgbClr val="000000"/>
-                            </a:solidFill>
-                          </a:uFill>
-                        </a:rPr>
-                        <a:t>Eigene Erfahrungen mit einem nicht ausgereiften </a:t>
-                      </a:r>
-                      <a:r>
-                        <a:rPr lang="de-DE" sz="1200" u="none" strike="noStrike" dirty="0" err="1">
-                          <a:effectLst/>
-                          <a:uFill>
-                            <a:solidFill>
-                              <a:srgbClr val="000000"/>
-                            </a:solidFill>
-                          </a:uFill>
-                        </a:rPr>
-                        <a:t>Planungs</a:t>
-                      </a:r>
-                      <a:r>
-                        <a:rPr lang="de-DE" sz="1200" u="none" strike="noStrike" dirty="0">
-                          <a:effectLst/>
-                          <a:uFill>
-                            <a:solidFill>
-                              <a:srgbClr val="000000"/>
-                            </a:solidFill>
-                          </a:uFill>
-                        </a:rPr>
-                        <a:t>/Organisationstool sind Grundlage für das Projekt.</a:t>
-                      </a:r>
-                    </a:p>
-                    <a:p>
-                      <a:pPr marL="342900" lvl="0" indent="-342900" algn="just" fontAlgn="base">
-                        <a:spcAft>
-                          <a:spcPts val="380"/>
-                        </a:spcAft>
-                        <a:buClr>
-                          <a:srgbClr val="D6D5D5"/>
-                        </a:buClr>
-                        <a:buSzPts val="1000"/>
-                        <a:buFont typeface="Calibri" panose="020F0502020204030204" pitchFamily="34" charset="0"/>
-                        <a:buChar char="•"/>
-                      </a:pPr>
-                      <a:r>
-                        <a:rPr lang="de-DE" sz="1200" u="none" strike="noStrike" dirty="0">
-                          <a:effectLst/>
-                          <a:uFill>
-                            <a:solidFill>
-                              <a:srgbClr val="000000"/>
-                            </a:solidFill>
-                          </a:uFill>
-                        </a:rPr>
-                        <a:t>Die Unübersichtlichkeit und die daraus resultierende schlechte Planungsfähigkeit sind große Probleme für die Studenten. </a:t>
-                      </a:r>
-                      <a:endParaRPr lang="de-DE" sz="1200" u="none" strike="noStrike" dirty="0">
-                        <a:effectLst/>
-                        <a:uFill>
-                          <a:solidFill>
-                            <a:srgbClr val="000000"/>
-                          </a:solidFill>
-                        </a:uFill>
-                        <a:latin typeface="Calibri" panose="020F0502020204030204" pitchFamily="34" charset="0"/>
-                        <a:ea typeface="Calibri" panose="020F0502020204030204" pitchFamily="34" charset="0"/>
-                        <a:cs typeface="Calibri" panose="020F0502020204030204" pitchFamily="34" charset="0"/>
-                      </a:endParaRPr>
-                    </a:p>
-                  </a:txBody>
-                  <a:tcPr marL="89535" marR="89535" marT="0" marB="0"/>
-                </a:tc>
-                <a:extLst>
-                  <a:ext uri="{0D108BD9-81ED-4DB2-BD59-A6C34878D82A}">
-                    <a16:rowId xmlns:a16="http://schemas.microsoft.com/office/drawing/2014/main" val="1134975279"/>
-                  </a:ext>
-                </a:extLst>
-              </a:tr>
-            </a:tbl>
-          </a:graphicData>
-        </a:graphic>
-      </p:graphicFrame>
-      <p:graphicFrame>
-        <p:nvGraphicFramePr>
-          <p:cNvPr id="11" name="Tabelle 10">
-            <a:extLst>
-              <a:ext uri="{FF2B5EF4-FFF2-40B4-BE49-F238E27FC236}">
-                <a16:creationId xmlns:a16="http://schemas.microsoft.com/office/drawing/2014/main" id="{697883F7-2CFF-DAC2-1F97-8D4AB1F14690}"/>
-              </a:ext>
-            </a:extLst>
-          </p:cNvPr>
-          <p:cNvGraphicFramePr>
-            <a:graphicFrameLocks noGrp="1"/>
-          </p:cNvGraphicFramePr>
-          <p:nvPr>
-            <p:extLst>
-              <p:ext uri="{D42A27DB-BD31-4B8C-83A1-F6EECF244321}">
-                <p14:modId xmlns:p14="http://schemas.microsoft.com/office/powerpoint/2010/main" val="2530944460"/>
-              </p:ext>
-            </p:extLst>
-          </p:nvPr>
-        </p:nvGraphicFramePr>
-        <p:xfrm>
-          <a:off x="1166811" y="5474813"/>
-          <a:ext cx="8594725" cy="457200"/>
-        </p:xfrm>
-        <a:graphic>
-          <a:graphicData uri="http://schemas.openxmlformats.org/drawingml/2006/table">
-            <a:tbl>
-              <a:tblPr>
-                <a:tableStyleId>{5C22544A-7EE6-4342-B048-85BDC9FD1C3A}</a:tableStyleId>
-              </a:tblPr>
-              <a:tblGrid>
-                <a:gridCol w="8594725">
-                  <a:extLst>
-                    <a:ext uri="{9D8B030D-6E8A-4147-A177-3AD203B41FA5}">
-                      <a16:colId xmlns:a16="http://schemas.microsoft.com/office/drawing/2014/main" val="207291641"/>
-                    </a:ext>
-                  </a:extLst>
-                </a:gridCol>
-              </a:tblGrid>
-              <a:tr h="0">
-                <a:tc>
-                  <a:txBody>
-                    <a:bodyPr/>
-                    <a:lstStyle/>
-                    <a:p>
-                      <a:pPr marL="4445" algn="just"/>
-                      <a:r>
-                        <a:rPr lang="en-US" sz="1800" dirty="0">
-                          <a:effectLst/>
-                        </a:rPr>
-                        <a:t>Business Value </a:t>
-                      </a:r>
-                      <a:endParaRPr lang="de-DE" sz="1200" dirty="0">
-                        <a:effectLst/>
-                      </a:endParaRPr>
-                    </a:p>
-                    <a:p>
-                      <a:pPr marL="342900" lvl="0" indent="-342900" algn="just" fontAlgn="base">
-                        <a:spcAft>
-                          <a:spcPts val="380"/>
-                        </a:spcAft>
-                        <a:buClr>
-                          <a:srgbClr val="D6D5D5"/>
-                        </a:buClr>
-                        <a:buSzPts val="1000"/>
-                        <a:buFont typeface="Calibri" panose="020F0502020204030204" pitchFamily="34" charset="0"/>
-                        <a:buChar char="•"/>
-                      </a:pPr>
-                      <a:r>
-                        <a:rPr lang="de-DE" sz="1200" u="none" strike="noStrike" dirty="0">
-                          <a:effectLst/>
-                          <a:uFill>
-                            <a:solidFill>
-                              <a:srgbClr val="000000"/>
-                            </a:solidFill>
-                          </a:uFill>
-                        </a:rPr>
-                        <a:t>Wir erschaffen den Studenten eine benutzerfreundliche und übersichtliche Oberfläche für ihre Schulplanung. </a:t>
-                      </a:r>
-                      <a:endParaRPr lang="de-DE" sz="1200" u="none" strike="noStrike" dirty="0">
-                        <a:effectLst/>
-                        <a:uFill>
-                          <a:solidFill>
-                            <a:srgbClr val="000000"/>
-                          </a:solidFill>
-                        </a:uFill>
-                        <a:latin typeface="Calibri" panose="020F0502020204030204" pitchFamily="34" charset="0"/>
-                        <a:ea typeface="Calibri" panose="020F0502020204030204" pitchFamily="34" charset="0"/>
-                        <a:cs typeface="Calibri" panose="020F0502020204030204" pitchFamily="34" charset="0"/>
-                      </a:endParaRPr>
-                    </a:p>
-                  </a:txBody>
-                  <a:tcPr marL="89535" marR="89535" marT="0" marB="0"/>
-                </a:tc>
-                <a:extLst>
-                  <a:ext uri="{0D108BD9-81ED-4DB2-BD59-A6C34878D82A}">
-                    <a16:rowId xmlns:a16="http://schemas.microsoft.com/office/drawing/2014/main" val="3434271920"/>
-                  </a:ext>
-                </a:extLst>
-              </a:tr>
-            </a:tbl>
-          </a:graphicData>
-        </a:graphic>
-      </p:graphicFrame>
-      <p:graphicFrame>
-        <p:nvGraphicFramePr>
-          <p:cNvPr id="12" name="Tabelle 11">
-            <a:extLst>
-              <a:ext uri="{FF2B5EF4-FFF2-40B4-BE49-F238E27FC236}">
-                <a16:creationId xmlns:a16="http://schemas.microsoft.com/office/drawing/2014/main" id="{A0FA1F4F-726C-C8A5-8AB0-4A1B0BAB7E05}"/>
-              </a:ext>
-            </a:extLst>
-          </p:cNvPr>
-          <p:cNvGraphicFramePr>
-            <a:graphicFrameLocks noGrp="1"/>
-          </p:cNvGraphicFramePr>
-          <p:nvPr>
-            <p:extLst>
-              <p:ext uri="{D42A27DB-BD31-4B8C-83A1-F6EECF244321}">
-                <p14:modId xmlns:p14="http://schemas.microsoft.com/office/powerpoint/2010/main" val="857133123"/>
-              </p:ext>
-            </p:extLst>
-          </p:nvPr>
-        </p:nvGraphicFramePr>
-        <p:xfrm>
-          <a:off x="1166812" y="5978735"/>
-          <a:ext cx="8594725" cy="457200"/>
-        </p:xfrm>
-        <a:graphic>
-          <a:graphicData uri="http://schemas.openxmlformats.org/drawingml/2006/table">
-            <a:tbl>
-              <a:tblPr>
-                <a:tableStyleId>{5C22544A-7EE6-4342-B048-85BDC9FD1C3A}</a:tableStyleId>
-              </a:tblPr>
-              <a:tblGrid>
-                <a:gridCol w="8594725">
-                  <a:extLst>
-                    <a:ext uri="{9D8B030D-6E8A-4147-A177-3AD203B41FA5}">
-                      <a16:colId xmlns:a16="http://schemas.microsoft.com/office/drawing/2014/main" val="2477484665"/>
-                    </a:ext>
-                  </a:extLst>
-                </a:gridCol>
-              </a:tblGrid>
-              <a:tr h="0">
-                <a:tc>
-                  <a:txBody>
-                    <a:bodyPr/>
-                    <a:lstStyle/>
-                    <a:p>
-                      <a:pPr marL="4445" algn="just"/>
-                      <a:r>
-                        <a:rPr lang="de-DE" sz="1800" dirty="0">
-                          <a:effectLst/>
-                        </a:rPr>
-                        <a:t>User Value </a:t>
-                      </a:r>
-                      <a:endParaRPr lang="de-DE" sz="1200" dirty="0">
-                        <a:effectLst/>
-                      </a:endParaRPr>
-                    </a:p>
-                    <a:p>
-                      <a:pPr marL="342900" lvl="0" indent="-342900" algn="just" fontAlgn="base">
-                        <a:spcAft>
-                          <a:spcPts val="380"/>
-                        </a:spcAft>
-                        <a:buClr>
-                          <a:srgbClr val="D6D5D5"/>
-                        </a:buClr>
-                        <a:buSzPts val="1000"/>
-                        <a:buFont typeface="Calibri" panose="020F0502020204030204" pitchFamily="34" charset="0"/>
-                        <a:buChar char="•"/>
-                      </a:pPr>
-                      <a:r>
-                        <a:rPr lang="de-DE" sz="1200" u="none" strike="noStrike" dirty="0">
-                          <a:effectLst/>
-                          <a:uFill>
-                            <a:solidFill>
-                              <a:srgbClr val="000000"/>
-                            </a:solidFill>
-                          </a:uFill>
-                        </a:rPr>
-                        <a:t>Langfristig schaffen wir den Studenten mehr Zeit durch ein geordnetes Planungssystem. </a:t>
-                      </a:r>
-                      <a:endParaRPr lang="de-DE" sz="1200" u="none" strike="noStrike" dirty="0">
-                        <a:effectLst/>
-                        <a:uFill>
-                          <a:solidFill>
-                            <a:srgbClr val="000000"/>
-                          </a:solidFill>
-                        </a:uFill>
-                        <a:latin typeface="Calibri" panose="020F0502020204030204" pitchFamily="34" charset="0"/>
-                        <a:ea typeface="Calibri" panose="020F0502020204030204" pitchFamily="34" charset="0"/>
-                        <a:cs typeface="Calibri" panose="020F0502020204030204" pitchFamily="34" charset="0"/>
-                      </a:endParaRPr>
-                    </a:p>
-                  </a:txBody>
-                  <a:tcPr marL="89535" marR="89535" marT="0" marB="0"/>
-                </a:tc>
-                <a:extLst>
-                  <a:ext uri="{0D108BD9-81ED-4DB2-BD59-A6C34878D82A}">
-                    <a16:rowId xmlns:a16="http://schemas.microsoft.com/office/drawing/2014/main" val="767722745"/>
-                  </a:ext>
-                </a:extLst>
-              </a:tr>
-            </a:tbl>
-          </a:graphicData>
-        </a:graphic>
-      </p:graphicFrame>
+              <a:t>Sekundäre Zielgruppe: Lehrkräfte</a:t>
+            </a:r>
+          </a:p>
+          <a:p>
+            <a:pPr marL="571500" indent="-571500">
+              <a:buFont typeface="Arial" panose="020B0604020202020204" pitchFamily="34" charset="0"/>
+              <a:buChar char="•"/>
+            </a:pPr>
+            <a:r>
+              <a:rPr lang="de-DE" sz="2400" dirty="0">
+                <a:solidFill>
+                  <a:schemeClr val="tx1">
+                    <a:lumMod val="75000"/>
+                  </a:schemeClr>
+                </a:solidFill>
+              </a:rPr>
+              <a:t>Wir sehen uns als Stellvertreter dieser Zielgruppe</a:t>
+            </a:r>
+          </a:p>
+          <a:p>
+            <a:pPr marL="571500" indent="-571500">
+              <a:buFont typeface="Arial" panose="020B0604020202020204" pitchFamily="34" charset="0"/>
+              <a:buChar char="•"/>
+            </a:pPr>
+            <a:endParaRPr lang="de-DE" sz="2400" dirty="0"/>
+          </a:p>
+          <a:p>
+            <a:endParaRPr lang="de-DE" sz="2400" dirty="0"/>
+          </a:p>
+          <a:p>
+            <a:pPr algn="ctr"/>
+            <a:r>
+              <a:rPr lang="de-DE" sz="2800" dirty="0"/>
+              <a:t>Rahmenbedingungen</a:t>
+            </a:r>
+          </a:p>
+          <a:p>
+            <a:pPr marL="571500" indent="-571500">
+              <a:buFont typeface="Arial" panose="020B0604020202020204" pitchFamily="34" charset="0"/>
+              <a:buChar char="•"/>
+            </a:pPr>
+            <a:r>
+              <a:rPr lang="de-DE" sz="2400" dirty="0">
+                <a:solidFill>
+                  <a:schemeClr val="tx1">
+                    <a:lumMod val="75000"/>
+                  </a:schemeClr>
+                </a:solidFill>
+              </a:rPr>
+              <a:t>Abgabe Planung ist der 18.04.2022</a:t>
+            </a:r>
+          </a:p>
+          <a:p>
+            <a:pPr marL="571500" indent="-571500">
+              <a:buFont typeface="Arial" panose="020B0604020202020204" pitchFamily="34" charset="0"/>
+              <a:buChar char="•"/>
+            </a:pPr>
+            <a:r>
+              <a:rPr lang="de-DE" sz="2400" dirty="0">
+                <a:solidFill>
+                  <a:schemeClr val="tx1">
+                    <a:lumMod val="75000"/>
+                  </a:schemeClr>
+                </a:solidFill>
+              </a:rPr>
+              <a:t>Deadline: 12.06.2022</a:t>
+            </a:r>
+          </a:p>
+          <a:p>
+            <a:pPr marL="571500" indent="-571500">
+              <a:buFont typeface="Arial" panose="020B0604020202020204" pitchFamily="34" charset="0"/>
+              <a:buChar char="•"/>
+            </a:pPr>
+            <a:r>
+              <a:rPr lang="de-DE" sz="2400" dirty="0">
+                <a:solidFill>
+                  <a:schemeClr val="tx1">
+                    <a:lumMod val="75000"/>
+                  </a:schemeClr>
+                </a:solidFill>
+              </a:rPr>
+              <a:t>Produktvorstellung: 14.06.2022</a:t>
+            </a:r>
+          </a:p>
+          <a:p>
+            <a:pPr marL="571500" indent="-571500">
+              <a:buFont typeface="Arial" panose="020B0604020202020204" pitchFamily="34" charset="0"/>
+              <a:buChar char="•"/>
+            </a:pPr>
+            <a:endParaRPr lang="de-DE" sz="3600" b="1" dirty="0"/>
+          </a:p>
+        </p:txBody>
+      </p:sp>
     </p:spTree>
     <p:extLst>
       <p:ext uri="{BB962C8B-B14F-4D97-AF65-F5344CB8AC3E}">
@@ -6647,19 +6157,13 @@
           </a:xfrm>
         </p:spPr>
         <p:txBody>
-          <a:bodyPr>
-            <a:normAutofit/>
-          </a:bodyPr>
+          <a:bodyPr/>
           <a:lstStyle/>
           <a:p>
             <a:pPr algn="ctr"/>
             <a:r>
-              <a:rPr lang="de-DE" sz="5400" dirty="0" err="1"/>
-              <a:t>Scrum</a:t>
-            </a:r>
-            <a:r>
-              <a:rPr lang="de-DE" sz="5400" dirty="0"/>
-              <a:t>-Rahmenbedingungen</a:t>
+              <a:rPr lang="de-DE" dirty="0"/>
+              <a:t>Informationen</a:t>
             </a:r>
           </a:p>
         </p:txBody>
@@ -6687,10 +6191,19 @@
           </a:xfrm>
         </p:spPr>
         <p:txBody>
-          <a:bodyPr>
-            <a:normAutofit/>
-          </a:bodyPr>
-          <a:lstStyle/>
+          <a:bodyPr/>
+          <a:lstStyle/>
+          <a:p>
+            <a:pPr algn="ctr"/>
+            <a:r>
+              <a:rPr lang="de-DE" sz="2800" dirty="0">
+                <a:solidFill>
+                  <a:schemeClr val="tx1"/>
+                </a:solidFill>
+              </a:rPr>
+              <a:t>Hypothesen (Probleme/Chancen)</a:t>
+            </a:r>
+          </a:p>
           <a:p>
             <a:pPr marL="342900" indent="-342900">
               <a:buFont typeface="Arial" panose="020B0604020202020204" pitchFamily="34" charset="0"/>
@@ -6698,158 +6211,116 @@
             </a:pPr>
             <a:r>
               <a:rPr lang="de-DE" dirty="0"/>
-              <a:t>Sprintdauer: 2 Wochen</a:t>
-            </a:r>
+              <a:t>Nicht ausgereiftes Organisationstool führt im Studium zu Unübersichtlichkeit und schlechter Planungsfähigkeit	Grundlage für dieses Projekt</a:t>
+            </a:r>
+          </a:p>
+          <a:p>
+            <a:pPr algn="ctr"/>
+            <a:r>
+              <a:rPr lang="de-DE" sz="2800" dirty="0">
+                <a:solidFill>
+                  <a:schemeClr val="tx1"/>
+                </a:solidFill>
+              </a:rPr>
+              <a:t>Business Value</a:t>
+            </a:r>
+          </a:p>
+          <a:p>
+            <a:pPr algn="ctr"/>
+            <a:r>
+              <a:rPr lang="de-DE" dirty="0"/>
+              <a:t>Benutzerfreundliche und übersichtliche Oberfläche für Studenten</a:t>
+            </a:r>
+          </a:p>
+          <a:p>
+            <a:pPr algn="ctr"/>
+            <a:r>
+              <a:rPr lang="de-DE" sz="2800" dirty="0">
+                <a:solidFill>
+                  <a:schemeClr val="tx1"/>
+                </a:solidFill>
+              </a:rPr>
+              <a:t>User Value</a:t>
+            </a:r>
+          </a:p>
+          <a:p>
+            <a:pPr algn="ctr"/>
+            <a:r>
+              <a:rPr lang="de-DE" dirty="0"/>
+              <a:t>Langfristig: Studenten haben mehr Zeit durch geordnetes </a:t>
+            </a:r>
+            <a:r>
+              <a:rPr lang="de-DE" dirty="0" err="1"/>
+              <a:t>Planungsystem</a:t>
+            </a:r>
+            <a:endParaRPr lang="de-DE" dirty="0"/>
           </a:p>
           <a:p>
             <a:pPr marL="342900" indent="-342900">
               <a:buFont typeface="Arial" panose="020B0604020202020204" pitchFamily="34" charset="0"/>
               <a:buChar char="•"/>
             </a:pPr>
-            <a:r>
-              <a:rPr lang="de-DE" dirty="0"/>
-              <a:t>Organisation in „</a:t>
-            </a:r>
-            <a:r>
-              <a:rPr lang="de-DE" dirty="0" err="1"/>
-              <a:t>Daily‘s</a:t>
-            </a:r>
-            <a:r>
-              <a:rPr lang="de-DE" dirty="0"/>
-              <a:t>“</a:t>
-            </a:r>
-          </a:p>
-          <a:p>
-            <a:pPr marL="342900" indent="-342900">
-              <a:buFont typeface="Arial" panose="020B0604020202020204" pitchFamily="34" charset="0"/>
-              <a:buChar char="•"/>
-            </a:pPr>
-            <a:r>
-              <a:rPr lang="de-DE" dirty="0"/>
-              <a:t>Sprint Review zum Sprintabschluss (Progress wird einem dedizierten Review unterzogen)</a:t>
-            </a:r>
-          </a:p>
-          <a:p>
-            <a:pPr marL="342900" indent="-342900">
-              <a:buFont typeface="Arial" panose="020B0604020202020204" pitchFamily="34" charset="0"/>
-              <a:buChar char="•"/>
-            </a:pPr>
-            <a:r>
-              <a:rPr lang="de-DE" dirty="0">
-                <a:effectLst/>
-                <a:latin typeface="Century Schoolbook (Textkörper)"/>
-                <a:ea typeface="Calibri" panose="020F0502020204030204" pitchFamily="34" charset="0"/>
-                <a:cs typeface="Calibri" panose="020F0502020204030204" pitchFamily="34" charset="0"/>
-              </a:rPr>
-              <a:t>Definition </a:t>
-            </a:r>
-            <a:r>
-              <a:rPr lang="de-DE" dirty="0" err="1">
-                <a:effectLst/>
-                <a:latin typeface="Century Schoolbook (Textkörper)"/>
-                <a:ea typeface="Calibri" panose="020F0502020204030204" pitchFamily="34" charset="0"/>
-                <a:cs typeface="Calibri" panose="020F0502020204030204" pitchFamily="34" charset="0"/>
-              </a:rPr>
-              <a:t>of</a:t>
-            </a:r>
-            <a:r>
-              <a:rPr lang="de-DE" dirty="0">
-                <a:effectLst/>
-                <a:latin typeface="Century Schoolbook (Textkörper)"/>
-                <a:ea typeface="Calibri" panose="020F0502020204030204" pitchFamily="34" charset="0"/>
-                <a:cs typeface="Calibri" panose="020F0502020204030204" pitchFamily="34" charset="0"/>
-              </a:rPr>
-              <a:t> </a:t>
-            </a:r>
-            <a:r>
-              <a:rPr lang="de-DE" dirty="0" err="1">
-                <a:effectLst/>
-                <a:latin typeface="Century Schoolbook (Textkörper)"/>
-                <a:ea typeface="Calibri" panose="020F0502020204030204" pitchFamily="34" charset="0"/>
-                <a:cs typeface="Calibri" panose="020F0502020204030204" pitchFamily="34" charset="0"/>
-              </a:rPr>
-              <a:t>Done</a:t>
-            </a:r>
-            <a:r>
-              <a:rPr lang="de-DE" dirty="0">
-                <a:effectLst/>
-                <a:latin typeface="Century Schoolbook (Textkörper)"/>
-                <a:ea typeface="Calibri" panose="020F0502020204030204" pitchFamily="34" charset="0"/>
-                <a:cs typeface="Calibri" panose="020F0502020204030204" pitchFamily="34" charset="0"/>
-              </a:rPr>
-              <a:t>: Abgeschlossen ist eine Aufgabe dann, wenn sie vollständig den Code-Standards entspricht und vom Senior Developer (Matthias Lay) </a:t>
-            </a:r>
-            <a:r>
-              <a:rPr lang="de-DE" dirty="0" err="1">
-                <a:effectLst/>
-                <a:latin typeface="Century Schoolbook (Textkörper)"/>
-                <a:ea typeface="Calibri" panose="020F0502020204030204" pitchFamily="34" charset="0"/>
-                <a:cs typeface="Calibri" panose="020F0502020204030204" pitchFamily="34" charset="0"/>
-              </a:rPr>
-              <a:t>reviewed</a:t>
-            </a:r>
-            <a:r>
-              <a:rPr lang="de-DE" dirty="0">
-                <a:effectLst/>
-                <a:latin typeface="Century Schoolbook (Textkörper)"/>
-                <a:ea typeface="Calibri" panose="020F0502020204030204" pitchFamily="34" charset="0"/>
-                <a:cs typeface="Calibri" panose="020F0502020204030204" pitchFamily="34" charset="0"/>
-              </a:rPr>
-              <a:t> und von uns allen getestet wurde.</a:t>
-            </a:r>
-          </a:p>
-          <a:p>
-            <a:pPr marL="342900" indent="-342900">
-              <a:buFont typeface="Arial" panose="020B0604020202020204" pitchFamily="34" charset="0"/>
-              <a:buChar char="•"/>
-            </a:pPr>
-            <a:r>
-              <a:rPr lang="de-DE" dirty="0">
-                <a:latin typeface="Century Schoolbook (Textkörper)"/>
-                <a:ea typeface="Calibri" panose="020F0502020204030204" pitchFamily="34" charset="0"/>
-                <a:cs typeface="Calibri" panose="020F0502020204030204" pitchFamily="34" charset="0"/>
-              </a:rPr>
-              <a:t>Unterteilung der Features in </a:t>
-            </a:r>
-            <a:r>
-              <a:rPr lang="de-DE" dirty="0" err="1">
-                <a:latin typeface="Century Schoolbook (Textkörper)"/>
-                <a:ea typeface="Calibri" panose="020F0502020204030204" pitchFamily="34" charset="0"/>
-                <a:cs typeface="Calibri" panose="020F0502020204030204" pitchFamily="34" charset="0"/>
-              </a:rPr>
-              <a:t>Epics</a:t>
-            </a:r>
-            <a:r>
-              <a:rPr lang="de-DE" dirty="0">
-                <a:latin typeface="Century Schoolbook (Textkörper)"/>
-                <a:ea typeface="Calibri" panose="020F0502020204030204" pitchFamily="34" charset="0"/>
-                <a:cs typeface="Calibri" panose="020F0502020204030204" pitchFamily="34" charset="0"/>
-              </a:rPr>
-              <a:t> und Stories</a:t>
-            </a:r>
-            <a:endParaRPr lang="de-DE" dirty="0">
-              <a:effectLst/>
-              <a:latin typeface="Century Schoolbook (Textkörper)"/>
-              <a:ea typeface="Calibri" panose="020F0502020204030204" pitchFamily="34" charset="0"/>
-              <a:cs typeface="Calibri" panose="020F0502020204030204" pitchFamily="34" charset="0"/>
-            </a:endParaRPr>
-          </a:p>
-          <a:p>
-            <a:pPr marL="342900" indent="-342900">
-              <a:buFont typeface="Arial" panose="020B0604020202020204" pitchFamily="34" charset="0"/>
-              <a:buChar char="•"/>
-            </a:pPr>
             <a:endParaRPr lang="de-DE" dirty="0"/>
           </a:p>
           <a:p>
+            <a:pPr algn="ctr"/>
             <a:endParaRPr lang="de-DE" dirty="0"/>
+          </a:p>
+        </p:txBody>
+      </p:sp>
+      <p:sp>
+        <p:nvSpPr>
+          <p:cNvPr id="8" name="Pfeil: nach rechts 7">
+            <a:extLst>
+              <a:ext uri="{FF2B5EF4-FFF2-40B4-BE49-F238E27FC236}">
+                <a16:creationId xmlns:a16="http://schemas.microsoft.com/office/drawing/2014/main" id="{57236A5D-32FA-A50D-9B9E-55ECD6154CC2}"/>
+              </a:ext>
+            </a:extLst>
+          </p:cNvPr>
+          <p:cNvSpPr/>
+          <p:nvPr/>
+        </p:nvSpPr>
+        <p:spPr>
+          <a:xfrm>
+            <a:off x="1753321" y="3280954"/>
+            <a:ext cx="444137" cy="148046"/>
+          </a:xfrm>
+          <a:prstGeom prst="rightArrow">
+            <a:avLst/>
+          </a:prstGeom>
+          <a:solidFill>
+            <a:schemeClr val="tx1"/>
+          </a:solidFill>
+        </p:spPr>
+        <p:style>
+          <a:lnRef idx="2">
+            <a:schemeClr val="accent1">
+              <a:shade val="50000"/>
+            </a:schemeClr>
+          </a:lnRef>
+          <a:fillRef idx="1">
+            <a:schemeClr val="accent1"/>
+          </a:fillRef>
+          <a:effectRef idx="0">
+            <a:schemeClr val="accent1"/>
+          </a:effectRef>
+          <a:fontRef idx="minor">
+            <a:schemeClr val="lt1"/>
+          </a:fontRef>
+        </p:style>
+        <p:txBody>
+          <a:bodyPr rtlCol="0" anchor="ctr"/>
+          <a:lstStyle/>
+          <a:p>
+            <a:pPr algn="ctr"/>
+            <a:endParaRPr lang="de-DE"/>
           </a:p>
         </p:txBody>
       </p:sp>
     </p:spTree>
     <p:extLst>
       <p:ext uri="{BB962C8B-B14F-4D97-AF65-F5344CB8AC3E}">
-        <p14:creationId xmlns:p14="http://schemas.microsoft.com/office/powerpoint/2010/main" val="1645733471"/>
+        <p14:creationId xmlns:p14="http://schemas.microsoft.com/office/powerpoint/2010/main" val="236078432"/>
       </p:ext>
     </p:extLst>
   </p:cSld>
@@ -6894,7 +6365,7 @@
         </p:nvSpPr>
         <p:spPr>
           <a:xfrm>
-            <a:off x="1261872" y="435102"/>
+            <a:off x="1261872" y="758952"/>
             <a:ext cx="9418320" cy="1044681"/>
           </a:xfrm>
         </p:spPr>
@@ -6906,8 +6377,12 @@
           <a:p>
             <a:pPr algn="ctr"/>
             <a:r>
-              <a:rPr lang="de-DE" dirty="0"/>
-              <a:t>Aufgabenzuteilung</a:t>
+              <a:rPr lang="de-DE" sz="5400" dirty="0" err="1"/>
+              <a:t>Scrum</a:t>
+            </a:r>
+            <a:r>
+              <a:rPr lang="de-DE" sz="5400" dirty="0"/>
+              <a:t>-Rahmenbedingungen</a:t>
             </a:r>
           </a:p>
         </p:txBody>
@@ -6930,17 +6405,23 @@
         </p:nvSpPr>
         <p:spPr>
           <a:xfrm>
-            <a:off x="1261872" y="1479783"/>
-            <a:ext cx="9418320" cy="5012457"/>
+            <a:off x="1261872" y="1912690"/>
+            <a:ext cx="9418320" cy="4579550"/>
           </a:xfrm>
         </p:spPr>
         <p:txBody>
-          <a:bodyPr/>
-          <a:lstStyle/>
-          <a:p>
+          <a:bodyPr>
+            <a:normAutofit/>
+          </a:bodyPr>
+          <a:lstStyle/>
+          <a:p>
+            <a:pPr marL="342900" indent="-342900">
+              <a:buFont typeface="Arial" panose="020B0604020202020204" pitchFamily="34" charset="0"/>
+              <a:buChar char="•"/>
+            </a:pPr>
             <a:r>
               <a:rPr lang="de-DE" dirty="0"/>
-              <a:t>Stakeholder:</a:t>
+              <a:t>Sprintdauer: 2 Wochen</a:t>
             </a:r>
           </a:p>
           <a:p>
@@ -6950,33 +6431,94 @@
             </a:pPr>
             <a:r>
               <a:rPr lang="de-DE" dirty="0"/>
-              <a:t>User Stories und Finanzierung (Martin </a:t>
+              <a:t>Organisation in „</a:t>
             </a:r>
             <a:r>
               <a:rPr lang="de-DE" dirty="0" err="1"/>
-              <a:t>Lüttecke</a:t>
+              <a:t>Daily‘s</a:t>
             </a:r>
             <a:r>
               <a:rPr lang="de-DE" dirty="0"/>
-              <a:t> &amp; Studenten)</a:t>
-            </a:r>
-          </a:p>
-          <a:p>
-            <a:r>
-              <a:rPr lang="de-DE" dirty="0" err="1"/>
-              <a:t>Product</a:t>
-            </a:r>
+              <a:t>“</a:t>
+            </a:r>
+          </a:p>
+          <a:p>
+            <a:pPr marL="342900" indent="-342900">
+              <a:buFont typeface="Arial" panose="020B0604020202020204" pitchFamily="34" charset="0"/>
+              <a:buChar char="•"/>
+            </a:pPr>
             <a:r>
               <a:rPr lang="de-DE" dirty="0"/>
+              <a:t>Sprint Review zum Sprintabschluss (Progress wird einem dedizierten Review unterzogen)</a:t>
+            </a:r>
+          </a:p>
+          <a:p>
+            <a:pPr marL="342900" indent="-342900">
+              <a:buFont typeface="Arial" panose="020B0604020202020204" pitchFamily="34" charset="0"/>
+              <a:buChar char="•"/>
+            </a:pPr>
+            <a:r>
+              <a:rPr lang="de-DE" dirty="0">
+                <a:effectLst/>
+                <a:latin typeface="Century Schoolbook (Textkörper)"/>
+                <a:ea typeface="Calibri" panose="020F0502020204030204" pitchFamily="34" charset="0"/>
+                <a:cs typeface="Calibri" panose="020F0502020204030204" pitchFamily="34" charset="0"/>
+              </a:rPr>
+              <a:t>Definition </a:t>
+            </a:r>
+            <a:r>
+              <a:rPr lang="de-DE" dirty="0" err="1">
+                <a:effectLst/>
+                <a:latin typeface="Century Schoolbook (Textkörper)"/>
+                <a:ea typeface="Calibri" panose="020F0502020204030204" pitchFamily="34" charset="0"/>
+                <a:cs typeface="Calibri" panose="020F0502020204030204" pitchFamily="34" charset="0"/>
+              </a:rPr>
+              <a:t>of</a:t>
+            </a:r>
+            <a:r>
+              <a:rPr lang="de-DE" dirty="0">
+                <a:effectLst/>
+                <a:latin typeface="Century Schoolbook (Textkörper)"/>
+                <a:ea typeface="Calibri" panose="020F0502020204030204" pitchFamily="34" charset="0"/>
+                <a:cs typeface="Calibri" panose="020F0502020204030204" pitchFamily="34" charset="0"/>
+              </a:rPr>
               <a:t> </a:t>
             </a:r>
             <a:r>
-              <a:rPr lang="de-DE" dirty="0" err="1"/>
-              <a:t>Owner</a:t>
-            </a:r>
-            <a:r>
-              <a:rPr lang="de-DE" dirty="0"/>
-              <a:t>:</a:t>
+              <a:rPr lang="de-DE" dirty="0" err="1">
+                <a:effectLst/>
+                <a:latin typeface="Century Schoolbook (Textkörper)"/>
+                <a:ea typeface="Calibri" panose="020F0502020204030204" pitchFamily="34" charset="0"/>
+                <a:cs typeface="Calibri" panose="020F0502020204030204" pitchFamily="34" charset="0"/>
+              </a:rPr>
+              <a:t>Done</a:t>
+            </a:r>
+            <a:r>
+              <a:rPr lang="de-DE" dirty="0">
+                <a:effectLst/>
+                <a:latin typeface="Century Schoolbook (Textkörper)"/>
+                <a:ea typeface="Calibri" panose="020F0502020204030204" pitchFamily="34" charset="0"/>
+                <a:cs typeface="Calibri" panose="020F0502020204030204" pitchFamily="34" charset="0"/>
+              </a:rPr>
+              <a:t>: „Abgeschlossen ist eine Aufgabe dann, wenn sie vollständig den Code-Standards entspricht und vom Senior Developer (Matthias Lay) </a:t>
+            </a:r>
+            <a:r>
+              <a:rPr lang="de-DE" dirty="0" err="1">
+                <a:effectLst/>
+                <a:latin typeface="Century Schoolbook (Textkörper)"/>
+                <a:ea typeface="Calibri" panose="020F0502020204030204" pitchFamily="34" charset="0"/>
+                <a:cs typeface="Calibri" panose="020F0502020204030204" pitchFamily="34" charset="0"/>
+              </a:rPr>
+              <a:t>reviewed</a:t>
+            </a:r>
+            <a:r>
+              <a:rPr lang="de-DE" dirty="0">
+                <a:effectLst/>
+                <a:latin typeface="Century Schoolbook (Textkörper)"/>
+                <a:ea typeface="Calibri" panose="020F0502020204030204" pitchFamily="34" charset="0"/>
+                <a:cs typeface="Calibri" panose="020F0502020204030204" pitchFamily="34" charset="0"/>
+              </a:rPr>
+              <a:t> und von uns allen getestet wurde.“</a:t>
             </a:r>
           </a:p>
           <a:p>
@@ -6985,57 +6527,44 @@
               <a:buChar char="•"/>
             </a:pPr>
             <a:r>
-              <a:rPr lang="de-DE" dirty="0"/>
-              <a:t>Backlogführung (Nicolas Messerschmidt)</a:t>
-            </a:r>
-          </a:p>
-          <a:p>
-            <a:r>
-              <a:rPr lang="de-DE" dirty="0" err="1"/>
-              <a:t>Scrum</a:t>
-            </a:r>
-            <a:r>
-              <a:rPr lang="de-DE" dirty="0"/>
-              <a:t> Master:</a:t>
-            </a:r>
+              <a:rPr lang="de-DE" dirty="0">
+                <a:latin typeface="Century Schoolbook (Textkörper)"/>
+                <a:ea typeface="Calibri" panose="020F0502020204030204" pitchFamily="34" charset="0"/>
+                <a:cs typeface="Calibri" panose="020F0502020204030204" pitchFamily="34" charset="0"/>
+              </a:rPr>
+              <a:t>Unterteilung der Features in </a:t>
+            </a:r>
+            <a:r>
+              <a:rPr lang="de-DE" dirty="0" err="1">
+                <a:latin typeface="Century Schoolbook (Textkörper)"/>
+                <a:ea typeface="Calibri" panose="020F0502020204030204" pitchFamily="34" charset="0"/>
+                <a:cs typeface="Calibri" panose="020F0502020204030204" pitchFamily="34" charset="0"/>
+              </a:rPr>
+              <a:t>Epics</a:t>
+            </a:r>
+            <a:r>
+              <a:rPr lang="de-DE" dirty="0">
+                <a:latin typeface="Century Schoolbook (Textkörper)"/>
+                <a:ea typeface="Calibri" panose="020F0502020204030204" pitchFamily="34" charset="0"/>
+                <a:cs typeface="Calibri" panose="020F0502020204030204" pitchFamily="34" charset="0"/>
+              </a:rPr>
+              <a:t> und Stories</a:t>
+            </a:r>
+            <a:endParaRPr lang="de-DE" dirty="0">
+              <a:effectLst/>
+              <a:latin typeface="Century Schoolbook (Textkörper)"/>
+              <a:ea typeface="Calibri" panose="020F0502020204030204" pitchFamily="34" charset="0"/>
+              <a:cs typeface="Calibri" panose="020F0502020204030204" pitchFamily="34" charset="0"/>
+            </a:endParaRPr>
           </a:p>
           <a:p>
             <a:pPr marL="342900" indent="-342900">
               <a:buFont typeface="Arial" panose="020B0604020202020204" pitchFamily="34" charset="0"/>
               <a:buChar char="•"/>
             </a:pPr>
-            <a:r>
-              <a:rPr lang="de-DE" dirty="0"/>
-              <a:t>Agilen Rahmen einhalten &amp; Entwickler unterstützen</a:t>
-            </a:r>
-          </a:p>
-          <a:p>
-            <a:r>
-              <a:rPr lang="de-DE" dirty="0"/>
-              <a:t>Entwickler:</a:t>
-            </a:r>
-          </a:p>
-          <a:p>
-            <a:pPr marL="342900" indent="-342900">
-              <a:buFont typeface="Arial" panose="020B0604020202020204" pitchFamily="34" charset="0"/>
-              <a:buChar char="•"/>
-            </a:pPr>
-            <a:r>
-              <a:rPr lang="de-DE" dirty="0"/>
-              <a:t>Implementierung der Stories  als Features im Programm (Matthias Lay &amp; Marco Erne)</a:t>
-            </a:r>
-          </a:p>
-          <a:p>
-            <a:r>
-              <a:rPr lang="de-DE" dirty="0"/>
-              <a:t>HINWEIS: PO und SM sind ebenfalls als Entwickler beteiligt</a:t>
-            </a:r>
-          </a:p>
-          <a:p>
-            <a:pPr marL="342900" indent="-342900">
-              <a:buFont typeface="Arial" panose="020B0604020202020204" pitchFamily="34" charset="0"/>
-              <a:buChar char="•"/>
-            </a:pPr>
+            <a:endParaRPr lang="de-DE" dirty="0"/>
+          </a:p>
+          <a:p>
             <a:endParaRPr lang="de-DE" dirty="0"/>
           </a:p>
         </p:txBody>
@@ -7043,7 +6572,7 @@
     </p:spTree>
     <p:extLst>
       <p:ext uri="{BB962C8B-B14F-4D97-AF65-F5344CB8AC3E}">
-        <p14:creationId xmlns:p14="http://schemas.microsoft.com/office/powerpoint/2010/main" val="3395037644"/>
+        <p14:creationId xmlns:p14="http://schemas.microsoft.com/office/powerpoint/2010/main" val="1645733471"/>
       </p:ext>
     </p:extLst>
   </p:cSld>
@@ -7088,19 +6617,148 @@
         </p:nvSpPr>
         <p:spPr>
           <a:xfrm>
-            <a:off x="1261872" y="758952"/>
-            <a:ext cx="9418320" cy="3041523"/>
+            <a:off x="1261872" y="435102"/>
+            <a:ext cx="9418320" cy="1044681"/>
           </a:xfrm>
         </p:spPr>
         <p:txBody>
+          <a:bodyPr>
+            <a:normAutofit/>
+          </a:bodyPr>
+          <a:lstStyle/>
+          <a:p>
+            <a:pPr algn="ctr"/>
+            <a:r>
+              <a:rPr lang="de-DE" dirty="0"/>
+              <a:t>Aufgabenzuteilung</a:t>
+            </a:r>
+          </a:p>
+        </p:txBody>
+      </p:sp>
+      <p:sp>
+        <p:nvSpPr>
+          <p:cNvPr id="3" name="Untertitel 2">
+            <a:extLst>
+              <a:ext uri="{FF2B5EF4-FFF2-40B4-BE49-F238E27FC236}">
+                <a16:creationId xmlns:a16="http://schemas.microsoft.com/office/drawing/2014/main" id="{F9DA31C7-014A-A350-CF04-E7466ABFCC42}"/>
+              </a:ext>
+            </a:extLst>
+          </p:cNvPr>
+          <p:cNvSpPr>
+            <a:spLocks noGrp="1"/>
+          </p:cNvSpPr>
+          <p:nvPr>
+            <p:ph type="subTitle" idx="1"/>
+          </p:nvPr>
+        </p:nvSpPr>
+        <p:spPr>
+          <a:xfrm>
+            <a:off x="1261872" y="1479783"/>
+            <a:ext cx="9418320" cy="5012457"/>
+          </a:xfrm>
+        </p:spPr>
+        <p:txBody>
           <a:bodyPr/>
           <a:lstStyle/>
           <a:p>
-            <a:pPr algn="ctr"/>
-            <a:r>
-              <a:rPr lang="de-DE" sz="7200" dirty="0"/>
-              <a:t>Produktvorstellung</a:t>
-            </a:r>
+            <a:r>
+              <a:rPr lang="de-DE" dirty="0"/>
+              <a:t>Stakeholder:</a:t>
+            </a:r>
+          </a:p>
+          <a:p>
+            <a:pPr marL="342900" indent="-342900">
+              <a:buFont typeface="Arial" panose="020B0604020202020204" pitchFamily="34" charset="0"/>
+              <a:buChar char="•"/>
+            </a:pPr>
+            <a:r>
+              <a:rPr lang="de-DE" dirty="0"/>
+              <a:t>User Stories und Finanzierung (Martin </a:t>
+            </a:r>
+            <a:r>
+              <a:rPr lang="de-DE" dirty="0" err="1"/>
+              <a:t>Lüttecke</a:t>
+            </a:r>
+            <a:r>
+              <a:rPr lang="de-DE" dirty="0"/>
+              <a:t> &amp; Studenten)</a:t>
+            </a:r>
+          </a:p>
+          <a:p>
+            <a:r>
+              <a:rPr lang="de-DE" dirty="0" err="1"/>
+              <a:t>Product</a:t>
+            </a:r>
+            <a:r>
+              <a:rPr lang="de-DE" dirty="0"/>
+              <a:t> </a:t>
+            </a:r>
+            <a:r>
+              <a:rPr lang="de-DE" dirty="0" err="1"/>
+              <a:t>Owner</a:t>
+            </a:r>
+            <a:r>
+              <a:rPr lang="de-DE" dirty="0"/>
+              <a:t>:</a:t>
+            </a:r>
+          </a:p>
+          <a:p>
+            <a:pPr marL="342900" indent="-342900">
+              <a:buFont typeface="Arial" panose="020B0604020202020204" pitchFamily="34" charset="0"/>
+              <a:buChar char="•"/>
+            </a:pPr>
+            <a:r>
+              <a:rPr lang="de-DE" dirty="0"/>
+              <a:t>Backlogführung (Nicolas Messerschmidt)</a:t>
+            </a:r>
+          </a:p>
+          <a:p>
+            <a:r>
+              <a:rPr lang="de-DE" dirty="0" err="1"/>
+              <a:t>Scrum</a:t>
+            </a:r>
+            <a:r>
+              <a:rPr lang="de-DE" dirty="0"/>
+              <a:t> Master:</a:t>
+            </a:r>
+          </a:p>
+          <a:p>
+            <a:pPr marL="342900" indent="-342900">
+              <a:buFont typeface="Arial" panose="020B0604020202020204" pitchFamily="34" charset="0"/>
+              <a:buChar char="•"/>
+            </a:pPr>
+            <a:r>
+              <a:rPr lang="de-DE" dirty="0"/>
+              <a:t>Agilen Rahmen einhalten &amp; Entwickler unterstützen</a:t>
+            </a:r>
+          </a:p>
+          <a:p>
+            <a:r>
+              <a:rPr lang="de-DE" dirty="0"/>
+              <a:t>Entwickler:</a:t>
+            </a:r>
+          </a:p>
+          <a:p>
+            <a:pPr marL="342900" indent="-342900">
+              <a:buFont typeface="Arial" panose="020B0604020202020204" pitchFamily="34" charset="0"/>
+              <a:buChar char="•"/>
+            </a:pPr>
+            <a:r>
+              <a:rPr lang="de-DE" dirty="0"/>
+              <a:t>Implementierung der Stories  als Features im Programm (Matthias Lay &amp; Marco Erne)</a:t>
+            </a:r>
+          </a:p>
+          <a:p>
+            <a:r>
+              <a:rPr lang="de-DE" dirty="0"/>
+              <a:t>HINWEIS: PO und SM sind ebenfalls als Entwickler beteiligt</a:t>
+            </a:r>
+          </a:p>
+          <a:p>
+            <a:pPr marL="342900" indent="-342900">
+              <a:buFont typeface="Arial" panose="020B0604020202020204" pitchFamily="34" charset="0"/>
+              <a:buChar char="•"/>
+            </a:pPr>
             <a:endParaRPr lang="de-DE" dirty="0"/>
           </a:p>
         </p:txBody>
@@ -7108,7 +6766,7 @@
     </p:spTree>
     <p:extLst>
       <p:ext uri="{BB962C8B-B14F-4D97-AF65-F5344CB8AC3E}">
-        <p14:creationId xmlns:p14="http://schemas.microsoft.com/office/powerpoint/2010/main" val="3248030241"/>
+        <p14:creationId xmlns:p14="http://schemas.microsoft.com/office/powerpoint/2010/main" val="3395037644"/>
       </p:ext>
     </p:extLst>
   </p:cSld>
@@ -7135,6 +6793,45 @@
           <a:chExt cx="0" cy="0"/>
         </a:xfrm>
       </p:grpSpPr>
+      <p:pic>
+        <p:nvPicPr>
+          <p:cNvPr id="5" name="Grafik 4">
+            <a:extLst>
+              <a:ext uri="{FF2B5EF4-FFF2-40B4-BE49-F238E27FC236}">
+                <a16:creationId xmlns:a16="http://schemas.microsoft.com/office/drawing/2014/main" id="{9BA318F7-3BBE-55E7-82E3-9A3A092C11C7}"/>
+              </a:ext>
+            </a:extLst>
+          </p:cNvPr>
+          <p:cNvPicPr>
+            <a:picLocks noChangeAspect="1"/>
+          </p:cNvPicPr>
+          <p:nvPr/>
+        </p:nvPicPr>
+        <p:blipFill>
+          <a:blip r:embed="rId2">
+            <a:extLst>
+              <a:ext uri="{28A0092B-C50C-407E-A947-70E740481C1C}">
+                <a14:useLocalDpi xmlns:a14="http://schemas.microsoft.com/office/drawing/2010/main" val="0"/>
+              </a:ext>
+            </a:extLst>
+          </a:blip>
+          <a:stretch>
+            <a:fillRect/>
+          </a:stretch>
+        </p:blipFill>
+        <p:spPr>
+          <a:xfrm>
+            <a:off x="7296401" y="1361849"/>
+            <a:ext cx="4366010" cy="3331853"/>
+          </a:xfrm>
+          <a:prstGeom prst="rect">
+            <a:avLst/>
+          </a:prstGeom>
+          <a:effectLst>
+            <a:softEdge rad="50800"/>
+          </a:effectLst>
+        </p:spPr>
+      </p:pic>
       <p:sp>
         <p:nvSpPr>
           <p:cNvPr id="2" name="Titel 1">
@@ -7183,7 +6880,7 @@
           <p:nvPr/>
         </p:nvPicPr>
         <p:blipFill>
-          <a:blip r:embed="rId2"/>
+          <a:blip r:embed="rId3"/>
           <a:stretch/>
         </p:blipFill>
         <p:spPr>
@@ -7217,7 +6914,7 @@
           <p:nvPr/>
         </p:nvPicPr>
         <p:blipFill>
-          <a:blip r:embed="rId3"/>
+          <a:blip r:embed="rId4"/>
           <a:stretch>
             <a:fillRect/>
           </a:stretch>
@@ -7298,8 +6995,8 @@
         </p:nvSpPr>
         <p:spPr>
           <a:xfrm>
-            <a:off x="9225839" y="4317474"/>
-            <a:ext cx="1050225" cy="1268233"/>
+            <a:off x="8748760" y="4693702"/>
+            <a:ext cx="1289761" cy="965457"/>
           </a:xfrm>
           <a:prstGeom prst="bentUpArrow">
             <a:avLst/>

--- a/SimpleStudies/Project SimpleStudies.pptx
+++ b/SimpleStudies/Project SimpleStudies.pptx
@@ -19,11 +19,12 @@
     <p:sldId id="270" r:id="rId13"/>
     <p:sldId id="271" r:id="rId14"/>
     <p:sldId id="272" r:id="rId15"/>
-    <p:sldId id="281" r:id="rId16"/>
-    <p:sldId id="282" r:id="rId17"/>
-    <p:sldId id="283" r:id="rId18"/>
-    <p:sldId id="284" r:id="rId19"/>
-    <p:sldId id="264" r:id="rId20"/>
+    <p:sldId id="285" r:id="rId16"/>
+    <p:sldId id="281" r:id="rId17"/>
+    <p:sldId id="282" r:id="rId18"/>
+    <p:sldId id="283" r:id="rId19"/>
+    <p:sldId id="284" r:id="rId20"/>
+    <p:sldId id="264" r:id="rId21"/>
   </p:sldIdLst>
   <p:sldSz cx="12192000" cy="6858000"/>
   <p:notesSz cx="6858000" cy="9144000"/>
@@ -128,6 +129,14 @@
     </p:ext>
   </p:extLst>
 </p:presentation>
+</file>
+
+<file path=ppt/revisionInfo.xml><?xml version="1.0" encoding="utf-8"?>
+<p1510:revInfo xmlns:a="http://schemas.openxmlformats.org/drawingml/2006/main" xmlns:r="http://schemas.openxmlformats.org/officeDocument/2006/relationships" xmlns:p1510="http://schemas.microsoft.com/office/powerpoint/2015/10/main">
+  <p1510:revLst>
+    <p1510:client id="{FE628C0A-4826-414A-A3C8-5FF15B3C6FEE}" v="241" dt="2022-06-14T16:37:45.794"/>
+  </p1510:revLst>
+</p1510:revInfo>
 </file>
 
 <file path=ppt/slideLayouts/slideLayout1.xml><?xml version="1.0" encoding="utf-8"?>
@@ -4701,7 +4710,7 @@
           <p:cNvPr id="2" name="Titel 1">
             <a:extLst>
               <a:ext uri="{FF2B5EF4-FFF2-40B4-BE49-F238E27FC236}">
-                <a16:creationId xmlns:a16="http://schemas.microsoft.com/office/drawing/2014/main" id="{548E2CA1-900F-B870-4527-70B170D016C9}"/>
+                <a16:creationId xmlns:a16="http://schemas.microsoft.com/office/drawing/2014/main" id="{112B15BC-4E13-792A-F1DF-9E9061ECF246}"/>
               </a:ext>
             </a:extLst>
           </p:cNvPr>
@@ -4715,26 +4724,417 @@
         <p:spPr>
           <a:xfrm>
             <a:off x="1261872" y="758952"/>
-            <a:ext cx="9418320" cy="3041523"/>
+            <a:ext cx="9418320" cy="957790"/>
           </a:xfrm>
         </p:spPr>
         <p:txBody>
+          <a:bodyPr>
+            <a:normAutofit fontScale="90000"/>
+          </a:bodyPr>
+          <a:lstStyle/>
+          <a:p>
+            <a:r>
+              <a:rPr lang="de-DE" dirty="0"/>
+              <a:t>Fazit</a:t>
+            </a:r>
+          </a:p>
+        </p:txBody>
+      </p:sp>
+      <p:sp>
+        <p:nvSpPr>
+          <p:cNvPr id="3" name="Untertitel 2">
+            <a:extLst>
+              <a:ext uri="{FF2B5EF4-FFF2-40B4-BE49-F238E27FC236}">
+                <a16:creationId xmlns:a16="http://schemas.microsoft.com/office/drawing/2014/main" id="{B730D9FD-F65D-6530-1A1C-623D6477E513}"/>
+              </a:ext>
+            </a:extLst>
+          </p:cNvPr>
+          <p:cNvSpPr>
+            <a:spLocks noGrp="1"/>
+          </p:cNvSpPr>
+          <p:nvPr>
+            <p:ph type="subTitle" idx="1"/>
+          </p:nvPr>
+        </p:nvSpPr>
+        <p:spPr>
+          <a:xfrm>
+            <a:off x="1261872" y="2460812"/>
+            <a:ext cx="9418320" cy="4031428"/>
+          </a:xfrm>
+        </p:spPr>
+        <p:txBody>
           <a:bodyPr/>
           <a:lstStyle/>
           <a:p>
+            <a:endParaRPr lang="de-DE"/>
+          </a:p>
+        </p:txBody>
+      </p:sp>
+      <p:sp>
+        <p:nvSpPr>
+          <p:cNvPr id="5" name="Untertitel 2">
+            <a:extLst>
+              <a:ext uri="{FF2B5EF4-FFF2-40B4-BE49-F238E27FC236}">
+                <a16:creationId xmlns:a16="http://schemas.microsoft.com/office/drawing/2014/main" id="{16430191-7C1E-9017-57EB-CE788F0E1A07}"/>
+              </a:ext>
+            </a:extLst>
+          </p:cNvPr>
+          <p:cNvSpPr txBox="1">
+            <a:spLocks/>
+          </p:cNvSpPr>
+          <p:nvPr/>
+        </p:nvSpPr>
+        <p:spPr>
+          <a:xfrm>
+            <a:off x="1261872" y="1912690"/>
+            <a:ext cx="9418320" cy="4579550"/>
+          </a:xfrm>
+          <a:prstGeom prst="rect">
+            <a:avLst/>
+          </a:prstGeom>
+        </p:spPr>
+        <p:txBody>
+          <a:bodyPr vert="horz" lIns="91440" tIns="45720" rIns="91440" bIns="45720" rtlCol="0" anchor="t">
+            <a:normAutofit/>
+          </a:bodyPr>
+          <a:lstStyle>
+            <a:lvl1pPr marL="0" indent="0" algn="l" defTabSz="914400" rtl="0" eaLnBrk="1" latinLnBrk="0" hangingPunct="1">
+              <a:lnSpc>
+                <a:spcPct val="95000"/>
+              </a:lnSpc>
+              <a:spcBef>
+                <a:spcPts val="1400"/>
+              </a:spcBef>
+              <a:spcAft>
+                <a:spcPts val="200"/>
+              </a:spcAft>
+              <a:buClr>
+                <a:schemeClr val="accent1"/>
+              </a:buClr>
+              <a:buSzPct val="80000"/>
+              <a:buFont typeface="Arial" pitchFamily="34" charset="0"/>
+              <a:buNone/>
+              <a:defRPr sz="2200" kern="1200" spc="10" baseline="0">
+                <a:solidFill>
+                  <a:schemeClr val="tx1">
+                    <a:lumMod val="75000"/>
+                  </a:schemeClr>
+                </a:solidFill>
+                <a:latin typeface="+mn-lt"/>
+                <a:ea typeface="+mn-ea"/>
+                <a:cs typeface="+mn-cs"/>
+              </a:defRPr>
+            </a:lvl1pPr>
+            <a:lvl2pPr marL="457200" indent="0" algn="ctr" defTabSz="914400" rtl="0" eaLnBrk="1" latinLnBrk="0" hangingPunct="1">
+              <a:lnSpc>
+                <a:spcPct val="90000"/>
+              </a:lnSpc>
+              <a:spcBef>
+                <a:spcPts val="300"/>
+              </a:spcBef>
+              <a:spcAft>
+                <a:spcPts val="300"/>
+              </a:spcAft>
+              <a:buClr>
+                <a:schemeClr val="accent1"/>
+              </a:buClr>
+              <a:buFont typeface="Wingdings 2" pitchFamily="18" charset="2"/>
+              <a:buNone/>
+              <a:defRPr sz="2200" kern="1200">
+                <a:solidFill>
+                  <a:schemeClr val="tx1">
+                    <a:lumMod val="85000"/>
+                    <a:lumOff val="15000"/>
+                  </a:schemeClr>
+                </a:solidFill>
+                <a:latin typeface="+mn-lt"/>
+                <a:ea typeface="+mn-ea"/>
+                <a:cs typeface="+mn-cs"/>
+              </a:defRPr>
+            </a:lvl2pPr>
+            <a:lvl3pPr marL="914400" indent="0" algn="ctr" defTabSz="914400" rtl="0" eaLnBrk="1" latinLnBrk="0" hangingPunct="1">
+              <a:lnSpc>
+                <a:spcPct val="90000"/>
+              </a:lnSpc>
+              <a:spcBef>
+                <a:spcPts val="300"/>
+              </a:spcBef>
+              <a:spcAft>
+                <a:spcPts val="300"/>
+              </a:spcAft>
+              <a:buClr>
+                <a:schemeClr val="accent1"/>
+              </a:buClr>
+              <a:buFont typeface="Wingdings 2" pitchFamily="18" charset="2"/>
+              <a:buNone/>
+              <a:defRPr sz="2200" kern="1200">
+                <a:solidFill>
+                  <a:schemeClr val="tx1">
+                    <a:lumMod val="85000"/>
+                    <a:lumOff val="15000"/>
+                  </a:schemeClr>
+                </a:solidFill>
+                <a:latin typeface="+mn-lt"/>
+                <a:ea typeface="+mn-ea"/>
+                <a:cs typeface="+mn-cs"/>
+              </a:defRPr>
+            </a:lvl3pPr>
+            <a:lvl4pPr marL="1371600" indent="0" algn="ctr" defTabSz="914400" rtl="0" eaLnBrk="1" latinLnBrk="0" hangingPunct="1">
+              <a:lnSpc>
+                <a:spcPct val="90000"/>
+              </a:lnSpc>
+              <a:spcBef>
+                <a:spcPts val="300"/>
+              </a:spcBef>
+              <a:spcAft>
+                <a:spcPts val="300"/>
+              </a:spcAft>
+              <a:buClr>
+                <a:schemeClr val="accent1"/>
+              </a:buClr>
+              <a:buFont typeface="Wingdings 2" pitchFamily="18" charset="2"/>
+              <a:buNone/>
+              <a:defRPr sz="2000" kern="1200">
+                <a:solidFill>
+                  <a:schemeClr val="tx1">
+                    <a:lumMod val="85000"/>
+                    <a:lumOff val="15000"/>
+                  </a:schemeClr>
+                </a:solidFill>
+                <a:latin typeface="+mn-lt"/>
+                <a:ea typeface="+mn-ea"/>
+                <a:cs typeface="+mn-cs"/>
+              </a:defRPr>
+            </a:lvl4pPr>
+            <a:lvl5pPr marL="1828800" indent="0" algn="ctr" defTabSz="914400" rtl="0" eaLnBrk="1" latinLnBrk="0" hangingPunct="1">
+              <a:lnSpc>
+                <a:spcPct val="90000"/>
+              </a:lnSpc>
+              <a:spcBef>
+                <a:spcPts val="300"/>
+              </a:spcBef>
+              <a:spcAft>
+                <a:spcPts val="300"/>
+              </a:spcAft>
+              <a:buClr>
+                <a:schemeClr val="accent1"/>
+              </a:buClr>
+              <a:buFont typeface="Wingdings 2" pitchFamily="18" charset="2"/>
+              <a:buNone/>
+              <a:defRPr sz="2000" kern="1200">
+                <a:solidFill>
+                  <a:schemeClr val="tx1">
+                    <a:lumMod val="85000"/>
+                    <a:lumOff val="15000"/>
+                  </a:schemeClr>
+                </a:solidFill>
+                <a:latin typeface="+mn-lt"/>
+                <a:ea typeface="+mn-ea"/>
+                <a:cs typeface="+mn-cs"/>
+              </a:defRPr>
+            </a:lvl5pPr>
+            <a:lvl6pPr marL="2286000" indent="0" algn="ctr" defTabSz="914400" rtl="0" eaLnBrk="1" latinLnBrk="0" hangingPunct="1">
+              <a:lnSpc>
+                <a:spcPct val="90000"/>
+              </a:lnSpc>
+              <a:spcBef>
+                <a:spcPts val="300"/>
+              </a:spcBef>
+              <a:spcAft>
+                <a:spcPts val="300"/>
+              </a:spcAft>
+              <a:buClr>
+                <a:schemeClr val="accent1"/>
+              </a:buClr>
+              <a:buFont typeface="Wingdings 2" pitchFamily="18" charset="2"/>
+              <a:buNone/>
+              <a:defRPr sz="2000" kern="1200">
+                <a:solidFill>
+                  <a:schemeClr val="tx1">
+                    <a:lumMod val="85000"/>
+                    <a:lumOff val="15000"/>
+                  </a:schemeClr>
+                </a:solidFill>
+                <a:latin typeface="+mn-lt"/>
+                <a:ea typeface="+mn-ea"/>
+                <a:cs typeface="+mn-cs"/>
+              </a:defRPr>
+            </a:lvl6pPr>
+            <a:lvl7pPr marL="2743200" indent="0" algn="ctr" defTabSz="914400" rtl="0" eaLnBrk="1" latinLnBrk="0" hangingPunct="1">
+              <a:lnSpc>
+                <a:spcPct val="90000"/>
+              </a:lnSpc>
+              <a:spcBef>
+                <a:spcPts val="300"/>
+              </a:spcBef>
+              <a:spcAft>
+                <a:spcPts val="300"/>
+              </a:spcAft>
+              <a:buClr>
+                <a:schemeClr val="accent1"/>
+              </a:buClr>
+              <a:buFont typeface="Wingdings 2" pitchFamily="18" charset="2"/>
+              <a:buNone/>
+              <a:defRPr sz="2000" kern="1200">
+                <a:solidFill>
+                  <a:schemeClr val="tx1">
+                    <a:lumMod val="85000"/>
+                    <a:lumOff val="15000"/>
+                  </a:schemeClr>
+                </a:solidFill>
+                <a:latin typeface="+mn-lt"/>
+                <a:ea typeface="+mn-ea"/>
+                <a:cs typeface="+mn-cs"/>
+              </a:defRPr>
+            </a:lvl7pPr>
+            <a:lvl8pPr marL="3200400" indent="0" algn="ctr" defTabSz="914400" rtl="0" eaLnBrk="1" latinLnBrk="0" hangingPunct="1">
+              <a:lnSpc>
+                <a:spcPct val="90000"/>
+              </a:lnSpc>
+              <a:spcBef>
+                <a:spcPts val="300"/>
+              </a:spcBef>
+              <a:spcAft>
+                <a:spcPts val="300"/>
+              </a:spcAft>
+              <a:buClr>
+                <a:schemeClr val="accent1"/>
+              </a:buClr>
+              <a:buFont typeface="Wingdings 2" pitchFamily="18" charset="2"/>
+              <a:buNone/>
+              <a:defRPr sz="2000" kern="1200">
+                <a:solidFill>
+                  <a:schemeClr val="tx1">
+                    <a:lumMod val="85000"/>
+                    <a:lumOff val="15000"/>
+                  </a:schemeClr>
+                </a:solidFill>
+                <a:latin typeface="+mn-lt"/>
+                <a:ea typeface="+mn-ea"/>
+                <a:cs typeface="+mn-cs"/>
+              </a:defRPr>
+            </a:lvl8pPr>
+            <a:lvl9pPr marL="3657600" indent="0" algn="ctr" defTabSz="914400" rtl="0" eaLnBrk="1" latinLnBrk="0" hangingPunct="1">
+              <a:lnSpc>
+                <a:spcPct val="90000"/>
+              </a:lnSpc>
+              <a:spcBef>
+                <a:spcPts val="300"/>
+              </a:spcBef>
+              <a:spcAft>
+                <a:spcPts val="300"/>
+              </a:spcAft>
+              <a:buClr>
+                <a:schemeClr val="accent1"/>
+              </a:buClr>
+              <a:buFont typeface="Wingdings 2" pitchFamily="18" charset="2"/>
+              <a:buNone/>
+              <a:defRPr sz="2000" kern="1200">
+                <a:solidFill>
+                  <a:schemeClr val="tx1">
+                    <a:lumMod val="85000"/>
+                    <a:lumOff val="15000"/>
+                  </a:schemeClr>
+                </a:solidFill>
+                <a:latin typeface="+mn-lt"/>
+                <a:ea typeface="+mn-ea"/>
+                <a:cs typeface="+mn-cs"/>
+              </a:defRPr>
+            </a:lvl9pPr>
+          </a:lstStyle>
+          <a:p>
             <a:pPr algn="ctr"/>
-            <a:r>
-              <a:rPr lang="de-DE" sz="7200" dirty="0"/>
-              <a:t>Interview</a:t>
-            </a:r>
-            <a:endParaRPr lang="de-DE" dirty="0"/>
+            <a:endParaRPr lang="de-DE" sz="2400" dirty="0">
+              <a:solidFill>
+                <a:schemeClr val="tx1"/>
+              </a:solidFill>
+            </a:endParaRPr>
+          </a:p>
+          <a:p>
+            <a:pPr marL="342900" indent="-342900">
+              <a:buFont typeface="Arial" pitchFamily="34" charset="0"/>
+              <a:buChar char="•"/>
+            </a:pPr>
+            <a:r>
+              <a:rPr lang="de-DE" dirty="0">
+                <a:latin typeface="Century Schoolbook (Textkörper)"/>
+                <a:ea typeface="DengXian"/>
+                <a:cs typeface="Times New Roman"/>
+              </a:rPr>
+              <a:t>Insgesamt Erfolg</a:t>
+            </a:r>
+          </a:p>
+          <a:p>
+            <a:pPr marL="342900" indent="-342900">
+              <a:buFont typeface="Arial" pitchFamily="34" charset="0"/>
+              <a:buChar char="•"/>
+            </a:pPr>
+            <a:r>
+              <a:rPr lang="de-DE" dirty="0"/>
+              <a:t>Größter Teil des Plans wurde umgesetzt</a:t>
+            </a:r>
+          </a:p>
+          <a:p>
+            <a:pPr marL="342900" indent="-342900">
+              <a:buFont typeface="Arial" pitchFamily="34" charset="0"/>
+              <a:buChar char="•"/>
+            </a:pPr>
+            <a:r>
+              <a:rPr lang="de-DE" dirty="0"/>
+              <a:t>Präsentation etwas vernachlässigt</a:t>
+            </a:r>
+          </a:p>
+          <a:p>
+            <a:pPr marL="342900" indent="-342900">
+              <a:buFont typeface="Arial" pitchFamily="34" charset="0"/>
+              <a:buChar char="•"/>
+            </a:pPr>
+            <a:r>
+              <a:rPr lang="de-DE" dirty="0"/>
+              <a:t>Sprints allgemein etwas holperig</a:t>
+            </a:r>
+          </a:p>
+          <a:p>
+            <a:pPr marL="342900" indent="-342900">
+              <a:buFont typeface="Arial" pitchFamily="34" charset="0"/>
+              <a:buChar char="•"/>
+            </a:pPr>
+            <a:r>
+              <a:rPr lang="de-DE" dirty="0"/>
+              <a:t>Großes Ganzes ist am wichtigsten</a:t>
+            </a:r>
+          </a:p>
+          <a:p>
+            <a:pPr marL="342900" indent="-342900">
+              <a:buFont typeface="Arial" pitchFamily="34" charset="0"/>
+              <a:buChar char="•"/>
+            </a:pPr>
+            <a:r>
+              <a:rPr lang="de-DE" dirty="0">
+                <a:latin typeface="Century Schoolbook" panose="02040604050505020304"/>
+                <a:ea typeface="DengXian"/>
+                <a:cs typeface="Times New Roman"/>
+              </a:rPr>
+              <a:t>Lauffähige Software wurde durch agiles Projektmanagement entwickelt</a:t>
+            </a:r>
+          </a:p>
+          <a:p>
+            <a:pPr marL="342900" indent="-342900">
+              <a:buFont typeface="Arial" pitchFamily="34" charset="0"/>
+              <a:buChar char="•"/>
+            </a:pPr>
+            <a:endParaRPr lang="de-DE" dirty="0">
+              <a:latin typeface="Century Schoolbook (Textkörper)"/>
+              <a:ea typeface="DengXian"/>
+              <a:cs typeface="Times New Roman"/>
+            </a:endParaRPr>
           </a:p>
         </p:txBody>
       </p:sp>
     </p:spTree>
     <p:extLst>
       <p:ext uri="{BB962C8B-B14F-4D97-AF65-F5344CB8AC3E}">
-        <p14:creationId xmlns:p14="http://schemas.microsoft.com/office/powerpoint/2010/main" val="3248030241"/>
+        <p14:creationId xmlns:p14="http://schemas.microsoft.com/office/powerpoint/2010/main" val="3442160632"/>
       </p:ext>
     </p:extLst>
   </p:cSld>
@@ -4790,7 +5190,7 @@
             <a:pPr algn="ctr"/>
             <a:r>
               <a:rPr lang="de-DE" sz="7200" dirty="0"/>
-              <a:t>Testphase</a:t>
+              <a:t>Interview</a:t>
             </a:r>
             <a:endParaRPr lang="de-DE" dirty="0"/>
           </a:p>
@@ -4799,7 +5199,7 @@
     </p:spTree>
     <p:extLst>
       <p:ext uri="{BB962C8B-B14F-4D97-AF65-F5344CB8AC3E}">
-        <p14:creationId xmlns:p14="http://schemas.microsoft.com/office/powerpoint/2010/main" val="2397518423"/>
+        <p14:creationId xmlns:p14="http://schemas.microsoft.com/office/powerpoint/2010/main" val="3248030241"/>
       </p:ext>
     </p:extLst>
   </p:cSld>
@@ -4854,12 +5254,8 @@
           <a:p>
             <a:pPr algn="ctr"/>
             <a:r>
-              <a:rPr lang="de-DE" sz="7200" dirty="0" err="1"/>
-              <a:t>Lessons</a:t>
-            </a:r>
-            <a:r>
-              <a:rPr lang="de-DE" dirty="0" err="1"/>
-              <a:t>Learned</a:t>
+              <a:rPr lang="de-DE" sz="7200" dirty="0"/>
+              <a:t>Testphase</a:t>
             </a:r>
             <a:endParaRPr lang="de-DE" dirty="0"/>
           </a:p>
@@ -4868,7 +5264,7 @@
     </p:spTree>
     <p:extLst>
       <p:ext uri="{BB962C8B-B14F-4D97-AF65-F5344CB8AC3E}">
-        <p14:creationId xmlns:p14="http://schemas.microsoft.com/office/powerpoint/2010/main" val="2277728335"/>
+        <p14:creationId xmlns:p14="http://schemas.microsoft.com/office/powerpoint/2010/main" val="2397518423"/>
       </p:ext>
     </p:extLst>
   </p:cSld>
@@ -4913,8 +5309,8 @@
         </p:nvSpPr>
         <p:spPr>
           <a:xfrm>
-            <a:off x="1261872" y="758952"/>
-            <a:ext cx="9418320" cy="3041523"/>
+            <a:off x="1387378" y="373469"/>
+            <a:ext cx="9418320" cy="1221688"/>
           </a:xfrm>
         </p:spPr>
         <p:txBody>
@@ -4924,16 +5320,100 @@
             <a:pPr algn="ctr"/>
             <a:r>
               <a:rPr lang="de-DE" sz="7200" dirty="0" err="1"/>
-              <a:t>Kahoot</a:t>
+              <a:t>Lessons</a:t>
+            </a:r>
+            <a:r>
+              <a:rPr lang="de-DE" dirty="0" err="1"/>
+              <a:t>Learned</a:t>
             </a:r>
             <a:endParaRPr lang="de-DE" dirty="0"/>
+          </a:p>
+        </p:txBody>
+      </p:sp>
+      <p:sp>
+        <p:nvSpPr>
+          <p:cNvPr id="5" name="Untertitel 2">
+            <a:extLst>
+              <a:ext uri="{FF2B5EF4-FFF2-40B4-BE49-F238E27FC236}">
+                <a16:creationId xmlns:a16="http://schemas.microsoft.com/office/drawing/2014/main" id="{0652E142-D06D-FB66-9691-DC4EE0E3FE80}"/>
+              </a:ext>
+            </a:extLst>
+          </p:cNvPr>
+          <p:cNvSpPr>
+            <a:spLocks noGrp="1"/>
+          </p:cNvSpPr>
+          <p:nvPr>
+            <p:ph type="subTitle" idx="1"/>
+          </p:nvPr>
+        </p:nvSpPr>
+        <p:spPr>
+          <a:xfrm>
+            <a:off x="1261872" y="1912690"/>
+            <a:ext cx="9418320" cy="4579550"/>
+          </a:xfrm>
+        </p:spPr>
+        <p:txBody>
+          <a:bodyPr vert="horz" lIns="91440" tIns="45720" rIns="91440" bIns="45720" rtlCol="0" anchor="t">
+            <a:normAutofit/>
+          </a:bodyPr>
+          <a:lstStyle/>
+          <a:p>
+            <a:pPr algn="ctr"/>
+            <a:endParaRPr lang="de-DE" sz="2400" dirty="0">
+              <a:solidFill>
+                <a:schemeClr val="tx1"/>
+              </a:solidFill>
+            </a:endParaRPr>
+          </a:p>
+          <a:p>
+            <a:pPr marL="342900" indent="-342900">
+              <a:buChar char="•"/>
+            </a:pPr>
+            <a:r>
+              <a:rPr lang="de-DE" dirty="0">
+                <a:solidFill>
+                  <a:srgbClr val="BFBFBF"/>
+                </a:solidFill>
+                <a:latin typeface="Century Schoolbook (Textkörper)"/>
+                <a:ea typeface="DengXian"/>
+                <a:cs typeface="Times New Roman"/>
+              </a:rPr>
+              <a:t>Umgang mit Versionsverwaltungssoftware GitHub</a:t>
+            </a:r>
+          </a:p>
+          <a:p>
+            <a:pPr marL="342900" indent="-342900">
+              <a:buChar char="•"/>
+            </a:pPr>
+            <a:r>
+              <a:rPr lang="de-DE" dirty="0"/>
+              <a:t>Zu viel Workload vorgenommen</a:t>
+            </a:r>
+          </a:p>
+          <a:p>
+            <a:pPr marL="342900" indent="-342900">
+              <a:buChar char="•"/>
+            </a:pPr>
+            <a:r>
+              <a:rPr lang="de-DE" dirty="0"/>
+              <a:t>Befolgen des agilen Mindsets</a:t>
+            </a:r>
+          </a:p>
+          <a:p>
+            <a:pPr marL="342900" indent="-342900">
+              <a:buChar char="•"/>
+            </a:pPr>
+            <a:r>
+              <a:rPr lang="de-DE" dirty="0"/>
+              <a:t>Kleinere Probleme kosten viel Zeit</a:t>
+            </a:r>
           </a:p>
         </p:txBody>
       </p:sp>
     </p:spTree>
     <p:extLst>
       <p:ext uri="{BB962C8B-B14F-4D97-AF65-F5344CB8AC3E}">
-        <p14:creationId xmlns:p14="http://schemas.microsoft.com/office/powerpoint/2010/main" val="2388518561"/>
+        <p14:creationId xmlns:p14="http://schemas.microsoft.com/office/powerpoint/2010/main" val="2277728335"/>
       </p:ext>
     </p:extLst>
   </p:cSld>
@@ -4944,7 +5424,7 @@
 </file>
 
 <file path=ppt/slides/slide19.xml><?xml version="1.0" encoding="utf-8"?>
-<p:sld xmlns:a="http://schemas.openxmlformats.org/drawingml/2006/main" xmlns:r="http://schemas.openxmlformats.org/officeDocument/2006/relationships" xmlns:p="http://schemas.openxmlformats.org/presentationml/2006/main" show="0">
+<p:sld xmlns:a="http://schemas.openxmlformats.org/drawingml/2006/main" xmlns:r="http://schemas.openxmlformats.org/officeDocument/2006/relationships" xmlns:p="http://schemas.openxmlformats.org/presentationml/2006/main">
   <p:cSld>
     <p:spTree>
       <p:nvGrpSpPr>
@@ -4979,201 +5459,18 @@
         <p:spPr>
           <a:xfrm>
             <a:off x="1261872" y="758952"/>
-            <a:ext cx="9418320" cy="1044681"/>
+            <a:ext cx="9418320" cy="3041523"/>
           </a:xfrm>
         </p:spPr>
         <p:txBody>
           <a:bodyPr/>
           <a:lstStyle/>
           <a:p>
-            <a:r>
-              <a:rPr lang="de-DE" dirty="0"/>
-              <a:t>Project </a:t>
-            </a:r>
-            <a:r>
-              <a:rPr lang="de-DE" dirty="0" err="1"/>
-              <a:t>SimpleStudies</a:t>
-            </a:r>
-            <a:endParaRPr lang="de-DE" dirty="0"/>
-          </a:p>
-        </p:txBody>
-      </p:sp>
-      <p:sp>
-        <p:nvSpPr>
-          <p:cNvPr id="3" name="Untertitel 2">
-            <a:extLst>
-              <a:ext uri="{FF2B5EF4-FFF2-40B4-BE49-F238E27FC236}">
-                <a16:creationId xmlns:a16="http://schemas.microsoft.com/office/drawing/2014/main" id="{F9DA31C7-014A-A350-CF04-E7466ABFCC42}"/>
-              </a:ext>
-            </a:extLst>
-          </p:cNvPr>
-          <p:cNvSpPr>
-            <a:spLocks noGrp="1"/>
-          </p:cNvSpPr>
-          <p:nvPr>
-            <p:ph type="subTitle" idx="1"/>
-          </p:nvPr>
-        </p:nvSpPr>
-        <p:spPr>
-          <a:xfrm>
-            <a:off x="1261872" y="1969840"/>
-            <a:ext cx="9418320" cy="4579550"/>
-          </a:xfrm>
-        </p:spPr>
-        <p:txBody>
-          <a:bodyPr>
-            <a:normAutofit/>
-          </a:bodyPr>
-          <a:lstStyle/>
-          <a:p>
-            <a:pPr marL="342900" indent="-342900">
-              <a:buFont typeface="Arial" panose="020B0604020202020204" pitchFamily="34" charset="0"/>
-              <a:buChar char="•"/>
-            </a:pPr>
-            <a:r>
-              <a:rPr lang="de-DE" dirty="0"/>
-              <a:t>Präsi (10-15min)</a:t>
-            </a:r>
-          </a:p>
-          <a:p>
-            <a:pPr marL="342900" indent="-342900">
-              <a:buFont typeface="Arial" panose="020B0604020202020204" pitchFamily="34" charset="0"/>
-              <a:buChar char="•"/>
-            </a:pPr>
-            <a:r>
-              <a:rPr lang="de-DE" dirty="0"/>
-              <a:t>Interview1 (3-5min)</a:t>
-            </a:r>
-          </a:p>
-          <a:p>
-            <a:pPr marL="342900" indent="-342900">
-              <a:buFont typeface="Arial" panose="020B0604020202020204" pitchFamily="34" charset="0"/>
-              <a:buChar char="•"/>
-            </a:pPr>
-            <a:r>
-              <a:rPr lang="de-DE" dirty="0"/>
-              <a:t>Interview2 (3-5min)</a:t>
-            </a:r>
-          </a:p>
-          <a:p>
-            <a:pPr marL="342900" indent="-342900">
-              <a:buFont typeface="Arial" panose="020B0604020202020204" pitchFamily="34" charset="0"/>
-              <a:buChar char="•"/>
-            </a:pPr>
-            <a:r>
-              <a:rPr lang="de-DE" dirty="0"/>
-              <a:t>Rumklicken(10 min)	</a:t>
-            </a:r>
-          </a:p>
-          <a:p>
-            <a:pPr marL="342900" indent="-342900">
-              <a:buFont typeface="Arial" panose="020B0604020202020204" pitchFamily="34" charset="0"/>
-              <a:buChar char="•"/>
-            </a:pPr>
-            <a:r>
-              <a:rPr lang="de-DE" dirty="0" err="1"/>
-              <a:t>Lessons</a:t>
-            </a:r>
-            <a:r>
-              <a:rPr lang="de-DE" dirty="0"/>
-              <a:t> </a:t>
-            </a:r>
-            <a:r>
-              <a:rPr lang="de-DE" dirty="0" err="1"/>
-              <a:t>learned</a:t>
-            </a:r>
-            <a:r>
-              <a:rPr lang="de-DE" dirty="0"/>
-              <a:t>(10min; 2,5 pro Person)</a:t>
-            </a:r>
-          </a:p>
-          <a:p>
-            <a:pPr lvl="1" indent="-457200">
-              <a:buFont typeface="Arial" panose="020B0604020202020204" pitchFamily="34" charset="0"/>
-              <a:buChar char="•"/>
-              <a:tabLst>
-                <a:tab pos="538163" algn="l"/>
-              </a:tabLst>
-            </a:pPr>
-            <a:r>
-              <a:rPr lang="de-DE" dirty="0"/>
-              <a:t>Zerschießen/GitHub (Marco)</a:t>
-            </a:r>
-          </a:p>
-          <a:p>
-            <a:pPr lvl="1" indent="-457200">
-              <a:buFont typeface="Arial" panose="020B0604020202020204" pitchFamily="34" charset="0"/>
-              <a:buChar char="•"/>
-              <a:tabLst>
-                <a:tab pos="538163" algn="l"/>
-              </a:tabLst>
-            </a:pPr>
-            <a:r>
-              <a:rPr lang="de-DE" dirty="0"/>
-              <a:t> übernommen (Matthias)</a:t>
-            </a:r>
-          </a:p>
-          <a:p>
-            <a:pPr lvl="1" indent="-457200">
-              <a:buFont typeface="Arial" panose="020B0604020202020204" pitchFamily="34" charset="0"/>
-              <a:buChar char="•"/>
-              <a:tabLst>
-                <a:tab pos="538163" algn="l"/>
-              </a:tabLst>
-            </a:pPr>
-            <a:r>
-              <a:rPr lang="de-DE" dirty="0"/>
-              <a:t>Agiles </a:t>
-            </a:r>
-            <a:r>
-              <a:rPr lang="de-DE" dirty="0" err="1"/>
-              <a:t>MindSet</a:t>
-            </a:r>
-            <a:r>
-              <a:rPr lang="de-DE" dirty="0"/>
-              <a:t> (Nicolas)</a:t>
-            </a:r>
-          </a:p>
-          <a:p>
-            <a:pPr lvl="1" indent="-457200">
-              <a:buFont typeface="Arial" panose="020B0604020202020204" pitchFamily="34" charset="0"/>
-              <a:buChar char="•"/>
-              <a:tabLst>
-                <a:tab pos="538163" algn="l"/>
-              </a:tabLst>
-            </a:pPr>
-            <a:r>
-              <a:rPr lang="de-DE" dirty="0"/>
-              <a:t>Kleinere Probleme </a:t>
-            </a:r>
-            <a:r>
-              <a:rPr lang="de-DE" dirty="0" err="1"/>
-              <a:t>skippen</a:t>
-            </a:r>
-            <a:r>
-              <a:rPr lang="de-DE" dirty="0"/>
-              <a:t> (Louis)</a:t>
-            </a:r>
-          </a:p>
-          <a:p>
-            <a:pPr marL="342900" indent="-342900">
-              <a:buFont typeface="Arial" panose="020B0604020202020204" pitchFamily="34" charset="0"/>
-              <a:buChar char="•"/>
-            </a:pPr>
-            <a:r>
-              <a:rPr lang="de-DE" dirty="0" err="1"/>
+            <a:pPr algn="ctr"/>
+            <a:r>
+              <a:rPr lang="de-DE" sz="7200" dirty="0" err="1"/>
               <a:t>Kahoot</a:t>
             </a:r>
-            <a:r>
-              <a:rPr lang="de-DE" dirty="0"/>
-              <a:t>(5-10min)</a:t>
-            </a:r>
-          </a:p>
-          <a:p>
-            <a:pPr marL="342900" indent="-342900">
-              <a:buFont typeface="Arial" panose="020B0604020202020204" pitchFamily="34" charset="0"/>
-              <a:buChar char="•"/>
-            </a:pPr>
             <a:endParaRPr lang="de-DE" dirty="0"/>
           </a:p>
         </p:txBody>
@@ -5181,7 +5478,7 @@
     </p:spTree>
     <p:extLst>
       <p:ext uri="{BB962C8B-B14F-4D97-AF65-F5344CB8AC3E}">
-        <p14:creationId xmlns:p14="http://schemas.microsoft.com/office/powerpoint/2010/main" val="3136807347"/>
+        <p14:creationId xmlns:p14="http://schemas.microsoft.com/office/powerpoint/2010/main" val="2388518561"/>
       </p:ext>
     </p:extLst>
   </p:cSld>
@@ -5310,6 +5607,254 @@
     <p:extLst>
       <p:ext uri="{BB962C8B-B14F-4D97-AF65-F5344CB8AC3E}">
         <p14:creationId xmlns:p14="http://schemas.microsoft.com/office/powerpoint/2010/main" val="266220982"/>
+      </p:ext>
+    </p:extLst>
+  </p:cSld>
+  <p:clrMapOvr>
+    <a:masterClrMapping/>
+  </p:clrMapOvr>
+</p:sld>
+</file>
+
+<file path=ppt/slides/slide20.xml><?xml version="1.0" encoding="utf-8"?>
+<p:sld xmlns:a="http://schemas.openxmlformats.org/drawingml/2006/main" xmlns:r="http://schemas.openxmlformats.org/officeDocument/2006/relationships" xmlns:p="http://schemas.openxmlformats.org/presentationml/2006/main" show="0">
+  <p:cSld>
+    <p:spTree>
+      <p:nvGrpSpPr>
+        <p:cNvPr id="1" name=""/>
+        <p:cNvGrpSpPr/>
+        <p:nvPr/>
+      </p:nvGrpSpPr>
+      <p:grpSpPr>
+        <a:xfrm>
+          <a:off x="0" y="0"/>
+          <a:ext cx="0" cy="0"/>
+          <a:chOff x="0" y="0"/>
+          <a:chExt cx="0" cy="0"/>
+        </a:xfrm>
+      </p:grpSpPr>
+      <p:sp>
+        <p:nvSpPr>
+          <p:cNvPr id="2" name="Titel 1">
+            <a:extLst>
+              <a:ext uri="{FF2B5EF4-FFF2-40B4-BE49-F238E27FC236}">
+                <a16:creationId xmlns:a16="http://schemas.microsoft.com/office/drawing/2014/main" id="{548E2CA1-900F-B870-4527-70B170D016C9}"/>
+              </a:ext>
+            </a:extLst>
+          </p:cNvPr>
+          <p:cNvSpPr>
+            <a:spLocks noGrp="1"/>
+          </p:cNvSpPr>
+          <p:nvPr>
+            <p:ph type="ctrTitle"/>
+          </p:nvPr>
+        </p:nvSpPr>
+        <p:spPr>
+          <a:xfrm>
+            <a:off x="1261872" y="758952"/>
+            <a:ext cx="9418320" cy="1044681"/>
+          </a:xfrm>
+        </p:spPr>
+        <p:txBody>
+          <a:bodyPr/>
+          <a:lstStyle/>
+          <a:p>
+            <a:r>
+              <a:rPr lang="de-DE" dirty="0"/>
+              <a:t>Project </a:t>
+            </a:r>
+            <a:r>
+              <a:rPr lang="de-DE" dirty="0" err="1"/>
+              <a:t>SimpleStudies</a:t>
+            </a:r>
+            <a:endParaRPr lang="de-DE" dirty="0"/>
+          </a:p>
+        </p:txBody>
+      </p:sp>
+      <p:sp>
+        <p:nvSpPr>
+          <p:cNvPr id="3" name="Untertitel 2">
+            <a:extLst>
+              <a:ext uri="{FF2B5EF4-FFF2-40B4-BE49-F238E27FC236}">
+                <a16:creationId xmlns:a16="http://schemas.microsoft.com/office/drawing/2014/main" id="{F9DA31C7-014A-A350-CF04-E7466ABFCC42}"/>
+              </a:ext>
+            </a:extLst>
+          </p:cNvPr>
+          <p:cNvSpPr>
+            <a:spLocks noGrp="1"/>
+          </p:cNvSpPr>
+          <p:nvPr>
+            <p:ph type="subTitle" idx="1"/>
+          </p:nvPr>
+        </p:nvSpPr>
+        <p:spPr>
+          <a:xfrm>
+            <a:off x="1261872" y="1969840"/>
+            <a:ext cx="9418320" cy="4579550"/>
+          </a:xfrm>
+        </p:spPr>
+        <p:txBody>
+          <a:bodyPr>
+            <a:normAutofit/>
+          </a:bodyPr>
+          <a:lstStyle/>
+          <a:p>
+            <a:pPr marL="342900" indent="-342900">
+              <a:buFont typeface="Arial" panose="020B0604020202020204" pitchFamily="34" charset="0"/>
+              <a:buChar char="•"/>
+            </a:pPr>
+            <a:r>
+              <a:rPr lang="de-DE" dirty="0"/>
+              <a:t>Präsi (10-15min)</a:t>
+            </a:r>
+          </a:p>
+          <a:p>
+            <a:pPr marL="342900" indent="-342900">
+              <a:buFont typeface="Arial" panose="020B0604020202020204" pitchFamily="34" charset="0"/>
+              <a:buChar char="•"/>
+            </a:pPr>
+            <a:r>
+              <a:rPr lang="de-DE" dirty="0"/>
+              <a:t>Interview1 (3-5min)</a:t>
+            </a:r>
+          </a:p>
+          <a:p>
+            <a:pPr marL="342900" indent="-342900">
+              <a:buFont typeface="Arial" panose="020B0604020202020204" pitchFamily="34" charset="0"/>
+              <a:buChar char="•"/>
+            </a:pPr>
+            <a:r>
+              <a:rPr lang="de-DE" dirty="0"/>
+              <a:t>Interview2 (3-5min)</a:t>
+            </a:r>
+          </a:p>
+          <a:p>
+            <a:pPr marL="342900" indent="-342900">
+              <a:buFont typeface="Arial" panose="020B0604020202020204" pitchFamily="34" charset="0"/>
+              <a:buChar char="•"/>
+            </a:pPr>
+            <a:r>
+              <a:rPr lang="de-DE" dirty="0"/>
+              <a:t>Rumklicken(10 min)	</a:t>
+            </a:r>
+          </a:p>
+          <a:p>
+            <a:pPr marL="342900" indent="-342900">
+              <a:buFont typeface="Arial" panose="020B0604020202020204" pitchFamily="34" charset="0"/>
+              <a:buChar char="•"/>
+            </a:pPr>
+            <a:r>
+              <a:rPr lang="de-DE" dirty="0" err="1"/>
+              <a:t>Lessons</a:t>
+            </a:r>
+            <a:r>
+              <a:rPr lang="de-DE" dirty="0"/>
+              <a:t> </a:t>
+            </a:r>
+            <a:r>
+              <a:rPr lang="de-DE" dirty="0" err="1"/>
+              <a:t>learned</a:t>
+            </a:r>
+            <a:r>
+              <a:rPr lang="de-DE" dirty="0"/>
+              <a:t>(10min; 2,5 pro Person)</a:t>
+            </a:r>
+          </a:p>
+          <a:p>
+            <a:pPr lvl="1" indent="-457200">
+              <a:buFont typeface="Arial" panose="020B0604020202020204" pitchFamily="34" charset="0"/>
+              <a:buChar char="•"/>
+              <a:tabLst>
+                <a:tab pos="538163" algn="l"/>
+              </a:tabLst>
+            </a:pPr>
+            <a:r>
+              <a:rPr lang="de-DE" dirty="0"/>
+              <a:t>Zerschießen/GitHub (Marco)</a:t>
+            </a:r>
+          </a:p>
+          <a:p>
+            <a:pPr lvl="1" indent="-457200">
+              <a:buFont typeface="Arial" panose="020B0604020202020204" pitchFamily="34" charset="0"/>
+              <a:buChar char="•"/>
+              <a:tabLst>
+                <a:tab pos="538163" algn="l"/>
+              </a:tabLst>
+            </a:pPr>
+            <a:r>
+              <a:rPr lang="de-DE" dirty="0"/>
+              <a:t> übernommen (Matthias)</a:t>
+            </a:r>
+          </a:p>
+          <a:p>
+            <a:pPr lvl="1" indent="-457200">
+              <a:buFont typeface="Arial" panose="020B0604020202020204" pitchFamily="34" charset="0"/>
+              <a:buChar char="•"/>
+              <a:tabLst>
+                <a:tab pos="538163" algn="l"/>
+              </a:tabLst>
+            </a:pPr>
+            <a:r>
+              <a:rPr lang="de-DE" dirty="0"/>
+              <a:t>Agiles </a:t>
+            </a:r>
+            <a:r>
+              <a:rPr lang="de-DE" dirty="0" err="1"/>
+              <a:t>MindSet</a:t>
+            </a:r>
+            <a:r>
+              <a:rPr lang="de-DE" dirty="0"/>
+              <a:t> (Nicolas)</a:t>
+            </a:r>
+          </a:p>
+          <a:p>
+            <a:pPr lvl="1" indent="-457200">
+              <a:buFont typeface="Arial" panose="020B0604020202020204" pitchFamily="34" charset="0"/>
+              <a:buChar char="•"/>
+              <a:tabLst>
+                <a:tab pos="538163" algn="l"/>
+              </a:tabLst>
+            </a:pPr>
+            <a:r>
+              <a:rPr lang="de-DE" dirty="0"/>
+              <a:t>Kleinere Probleme </a:t>
+            </a:r>
+            <a:r>
+              <a:rPr lang="de-DE" dirty="0" err="1"/>
+              <a:t>skippen</a:t>
+            </a:r>
+            <a:r>
+              <a:rPr lang="de-DE" dirty="0"/>
+              <a:t> (Louis)</a:t>
+            </a:r>
+          </a:p>
+          <a:p>
+            <a:pPr marL="342900" indent="-342900">
+              <a:buFont typeface="Arial" panose="020B0604020202020204" pitchFamily="34" charset="0"/>
+              <a:buChar char="•"/>
+            </a:pPr>
+            <a:r>
+              <a:rPr lang="de-DE" dirty="0" err="1"/>
+              <a:t>Kahoot</a:t>
+            </a:r>
+            <a:r>
+              <a:rPr lang="de-DE" dirty="0"/>
+              <a:t>(5-10min)</a:t>
+            </a:r>
+          </a:p>
+          <a:p>
+            <a:pPr marL="342900" indent="-342900">
+              <a:buFont typeface="Arial" panose="020B0604020202020204" pitchFamily="34" charset="0"/>
+              <a:buChar char="•"/>
+            </a:pPr>
+            <a:endParaRPr lang="de-DE" dirty="0"/>
+          </a:p>
+        </p:txBody>
+      </p:sp>
+    </p:spTree>
+    <p:extLst>
+      <p:ext uri="{BB962C8B-B14F-4D97-AF65-F5344CB8AC3E}">
+        <p14:creationId xmlns:p14="http://schemas.microsoft.com/office/powerpoint/2010/main" val="3136807347"/>
       </p:ext>
     </p:extLst>
   </p:cSld>
